--- a/Figures/Figure_3/Figure_3.pptx
+++ b/Figures/Figure_3/Figure_3.pptx
@@ -197,7 +197,7 @@
           <a:p>
             <a:fld id="{ABD72DE5-B6EE-E147-A976-7400C289695F}" type="datetimeFigureOut">
               <a:rPr lang="en-US" smtClean="0"/>
-              <a:t>5/3/23</a:t>
+              <a:t>5/5/23</a:t>
             </a:fld>
             <a:endParaRPr lang="en-US"/>
           </a:p>
@@ -684,7 +684,7 @@
           <a:p>
             <a:fld id="{5829EFD3-DAAF-1A4D-98F0-A61E9156FD54}" type="datetimeFigureOut">
               <a:rPr lang="en-US" smtClean="0"/>
-              <a:t>5/3/23</a:t>
+              <a:t>5/5/23</a:t>
             </a:fld>
             <a:endParaRPr lang="en-US"/>
           </a:p>
@@ -854,7 +854,7 @@
           <a:p>
             <a:fld id="{5829EFD3-DAAF-1A4D-98F0-A61E9156FD54}" type="datetimeFigureOut">
               <a:rPr lang="en-US" smtClean="0"/>
-              <a:t>5/3/23</a:t>
+              <a:t>5/5/23</a:t>
             </a:fld>
             <a:endParaRPr lang="en-US"/>
           </a:p>
@@ -1034,7 +1034,7 @@
           <a:p>
             <a:fld id="{5829EFD3-DAAF-1A4D-98F0-A61E9156FD54}" type="datetimeFigureOut">
               <a:rPr lang="en-US" smtClean="0"/>
-              <a:t>5/3/23</a:t>
+              <a:t>5/5/23</a:t>
             </a:fld>
             <a:endParaRPr lang="en-US"/>
           </a:p>
@@ -1204,7 +1204,7 @@
           <a:p>
             <a:fld id="{5829EFD3-DAAF-1A4D-98F0-A61E9156FD54}" type="datetimeFigureOut">
               <a:rPr lang="en-US" smtClean="0"/>
-              <a:t>5/3/23</a:t>
+              <a:t>5/5/23</a:t>
             </a:fld>
             <a:endParaRPr lang="en-US"/>
           </a:p>
@@ -1448,7 +1448,7 @@
           <a:p>
             <a:fld id="{5829EFD3-DAAF-1A4D-98F0-A61E9156FD54}" type="datetimeFigureOut">
               <a:rPr lang="en-US" smtClean="0"/>
-              <a:t>5/3/23</a:t>
+              <a:t>5/5/23</a:t>
             </a:fld>
             <a:endParaRPr lang="en-US"/>
           </a:p>
@@ -1680,7 +1680,7 @@
           <a:p>
             <a:fld id="{5829EFD3-DAAF-1A4D-98F0-A61E9156FD54}" type="datetimeFigureOut">
               <a:rPr lang="en-US" smtClean="0"/>
-              <a:t>5/3/23</a:t>
+              <a:t>5/5/23</a:t>
             </a:fld>
             <a:endParaRPr lang="en-US"/>
           </a:p>
@@ -2047,7 +2047,7 @@
           <a:p>
             <a:fld id="{5829EFD3-DAAF-1A4D-98F0-A61E9156FD54}" type="datetimeFigureOut">
               <a:rPr lang="en-US" smtClean="0"/>
-              <a:t>5/3/23</a:t>
+              <a:t>5/5/23</a:t>
             </a:fld>
             <a:endParaRPr lang="en-US"/>
           </a:p>
@@ -2165,7 +2165,7 @@
           <a:p>
             <a:fld id="{5829EFD3-DAAF-1A4D-98F0-A61E9156FD54}" type="datetimeFigureOut">
               <a:rPr lang="en-US" smtClean="0"/>
-              <a:t>5/3/23</a:t>
+              <a:t>5/5/23</a:t>
             </a:fld>
             <a:endParaRPr lang="en-US"/>
           </a:p>
@@ -2260,7 +2260,7 @@
           <a:p>
             <a:fld id="{5829EFD3-DAAF-1A4D-98F0-A61E9156FD54}" type="datetimeFigureOut">
               <a:rPr lang="en-US" smtClean="0"/>
-              <a:t>5/3/23</a:t>
+              <a:t>5/5/23</a:t>
             </a:fld>
             <a:endParaRPr lang="en-US"/>
           </a:p>
@@ -2537,7 +2537,7 @@
           <a:p>
             <a:fld id="{5829EFD3-DAAF-1A4D-98F0-A61E9156FD54}" type="datetimeFigureOut">
               <a:rPr lang="en-US" smtClean="0"/>
-              <a:t>5/3/23</a:t>
+              <a:t>5/5/23</a:t>
             </a:fld>
             <a:endParaRPr lang="en-US"/>
           </a:p>
@@ -2794,7 +2794,7 @@
           <a:p>
             <a:fld id="{5829EFD3-DAAF-1A4D-98F0-A61E9156FD54}" type="datetimeFigureOut">
               <a:rPr lang="en-US" smtClean="0"/>
-              <a:t>5/3/23</a:t>
+              <a:t>5/5/23</a:t>
             </a:fld>
             <a:endParaRPr lang="en-US"/>
           </a:p>
@@ -3007,7 +3007,7 @@
           <a:p>
             <a:fld id="{5829EFD3-DAAF-1A4D-98F0-A61E9156FD54}" type="datetimeFigureOut">
               <a:rPr lang="en-US" smtClean="0"/>
-              <a:t>5/3/23</a:t>
+              <a:t>5/5/23</a:t>
             </a:fld>
             <a:endParaRPr lang="en-US"/>
           </a:p>
@@ -3412,6 +3412,156 @@
           <a:chExt cx="0" cy="0"/>
         </a:xfrm>
       </p:grpSpPr>
+      <p:pic>
+        <p:nvPicPr>
+          <p:cNvPr id="3" name="Picture 2" descr="A picture containing text, line, plot, number&#10;&#10;Description automatically generated">
+            <a:extLst>
+              <a:ext uri="{FF2B5EF4-FFF2-40B4-BE49-F238E27FC236}">
+                <a16:creationId xmlns:a16="http://schemas.microsoft.com/office/drawing/2014/main" id="{343B91A2-C478-1B79-EE37-113C85403A45}"/>
+              </a:ext>
+            </a:extLst>
+          </p:cNvPr>
+          <p:cNvPicPr>
+            <a:picLocks noChangeAspect="1"/>
+          </p:cNvPicPr>
+          <p:nvPr/>
+        </p:nvPicPr>
+        <p:blipFill>
+          <a:blip r:embed="rId3"/>
+          <a:stretch>
+            <a:fillRect/>
+          </a:stretch>
+        </p:blipFill>
+        <p:spPr>
+          <a:xfrm>
+            <a:off x="1374614" y="25571659"/>
+            <a:ext cx="23825361" cy="10589049"/>
+          </a:xfrm>
+          <a:prstGeom prst="rect">
+            <a:avLst/>
+          </a:prstGeom>
+        </p:spPr>
+      </p:pic>
+      <p:pic>
+        <p:nvPicPr>
+          <p:cNvPr id="6" name="Picture 5" descr="A picture containing plot, diagram, text, line&#10;&#10;Description automatically generated">
+            <a:extLst>
+              <a:ext uri="{FF2B5EF4-FFF2-40B4-BE49-F238E27FC236}">
+                <a16:creationId xmlns:a16="http://schemas.microsoft.com/office/drawing/2014/main" id="{58839F6A-B0B1-4468-4ABF-C8107BA421B3}"/>
+              </a:ext>
+            </a:extLst>
+          </p:cNvPr>
+          <p:cNvPicPr>
+            <a:picLocks noChangeAspect="1"/>
+          </p:cNvPicPr>
+          <p:nvPr/>
+        </p:nvPicPr>
+        <p:blipFill>
+          <a:blip r:embed="rId4"/>
+          <a:stretch>
+            <a:fillRect/>
+          </a:stretch>
+        </p:blipFill>
+        <p:spPr>
+          <a:xfrm>
+            <a:off x="26574587" y="25547483"/>
+            <a:ext cx="23825361" cy="10589049"/>
+          </a:xfrm>
+          <a:prstGeom prst="rect">
+            <a:avLst/>
+          </a:prstGeom>
+        </p:spPr>
+      </p:pic>
+      <p:pic>
+        <p:nvPicPr>
+          <p:cNvPr id="5" name="Picture 4" descr="Chart&#10;&#10;Description automatically generated with medium confidence">
+            <a:extLst>
+              <a:ext uri="{FF2B5EF4-FFF2-40B4-BE49-F238E27FC236}">
+                <a16:creationId xmlns:a16="http://schemas.microsoft.com/office/drawing/2014/main" id="{CDE71F2F-42AA-2559-ED6C-9C4B05FE2226}"/>
+              </a:ext>
+            </a:extLst>
+          </p:cNvPr>
+          <p:cNvPicPr>
+            <a:picLocks noChangeAspect="1"/>
+          </p:cNvPicPr>
+          <p:nvPr/>
+        </p:nvPicPr>
+        <p:blipFill>
+          <a:blip r:embed="rId5"/>
+          <a:stretch>
+            <a:fillRect/>
+          </a:stretch>
+        </p:blipFill>
+        <p:spPr>
+          <a:xfrm>
+            <a:off x="29842692" y="1395420"/>
+            <a:ext cx="20600401" cy="8011267"/>
+          </a:xfrm>
+          <a:prstGeom prst="rect">
+            <a:avLst/>
+          </a:prstGeom>
+        </p:spPr>
+      </p:pic>
+      <p:pic>
+        <p:nvPicPr>
+          <p:cNvPr id="7" name="Picture 6" descr="Chart, line chart&#10;&#10;Description automatically generated">
+            <a:extLst>
+              <a:ext uri="{FF2B5EF4-FFF2-40B4-BE49-F238E27FC236}">
+                <a16:creationId xmlns:a16="http://schemas.microsoft.com/office/drawing/2014/main" id="{891915A9-1AC6-C11E-D1BC-86AF28BF8807}"/>
+              </a:ext>
+            </a:extLst>
+          </p:cNvPr>
+          <p:cNvPicPr>
+            <a:picLocks noChangeAspect="1"/>
+          </p:cNvPicPr>
+          <p:nvPr/>
+        </p:nvPicPr>
+        <p:blipFill>
+          <a:blip r:embed="rId6"/>
+          <a:stretch>
+            <a:fillRect/>
+          </a:stretch>
+        </p:blipFill>
+        <p:spPr>
+          <a:xfrm>
+            <a:off x="29842693" y="16890317"/>
+            <a:ext cx="20600401" cy="8011267"/>
+          </a:xfrm>
+          <a:prstGeom prst="rect">
+            <a:avLst/>
+          </a:prstGeom>
+        </p:spPr>
+      </p:pic>
+      <p:pic>
+        <p:nvPicPr>
+          <p:cNvPr id="10" name="Picture 9" descr="Chart, line chart&#10;&#10;Description automatically generated">
+            <a:extLst>
+              <a:ext uri="{FF2B5EF4-FFF2-40B4-BE49-F238E27FC236}">
+                <a16:creationId xmlns:a16="http://schemas.microsoft.com/office/drawing/2014/main" id="{439A79AF-22BD-44DE-12C1-3319BA5879CF}"/>
+              </a:ext>
+            </a:extLst>
+          </p:cNvPr>
+          <p:cNvPicPr>
+            <a:picLocks noChangeAspect="1"/>
+          </p:cNvPicPr>
+          <p:nvPr/>
+        </p:nvPicPr>
+        <p:blipFill>
+          <a:blip r:embed="rId7"/>
+          <a:stretch>
+            <a:fillRect/>
+          </a:stretch>
+        </p:blipFill>
+        <p:spPr>
+          <a:xfrm>
+            <a:off x="29842694" y="9058320"/>
+            <a:ext cx="20600401" cy="8011267"/>
+          </a:xfrm>
+          <a:prstGeom prst="rect">
+            <a:avLst/>
+          </a:prstGeom>
+        </p:spPr>
+      </p:pic>
       <p:sp>
         <p:nvSpPr>
           <p:cNvPr id="156" name="TextBox 155">
@@ -3497,7 +3647,7 @@
           <p:nvPr/>
         </p:nvPicPr>
         <p:blipFill rotWithShape="1">
-          <a:blip r:embed="rId3"/>
+          <a:blip r:embed="rId8"/>
           <a:srcRect l="26740" t="8885" b="85397"/>
           <a:stretch/>
         </p:blipFill>
@@ -3505,36 +3655,6 @@
           <a:xfrm>
             <a:off x="31603488" y="321363"/>
             <a:ext cx="18796460" cy="733533"/>
-          </a:xfrm>
-          <a:prstGeom prst="rect">
-            <a:avLst/>
-          </a:prstGeom>
-        </p:spPr>
-      </p:pic>
-      <p:pic>
-        <p:nvPicPr>
-          <p:cNvPr id="46" name="Picture 45" descr="A picture containing chart&#10;&#10;Description automatically generated">
-            <a:extLst>
-              <a:ext uri="{FF2B5EF4-FFF2-40B4-BE49-F238E27FC236}">
-                <a16:creationId xmlns:a16="http://schemas.microsoft.com/office/drawing/2014/main" id="{8F85EEFA-3345-60DA-D54F-EAC797A9E018}"/>
-              </a:ext>
-            </a:extLst>
-          </p:cNvPr>
-          <p:cNvPicPr>
-            <a:picLocks noChangeAspect="1"/>
-          </p:cNvPicPr>
-          <p:nvPr/>
-        </p:nvPicPr>
-        <p:blipFill>
-          <a:blip r:embed="rId4"/>
-          <a:stretch>
-            <a:fillRect/>
-          </a:stretch>
-        </p:blipFill>
-        <p:spPr>
-          <a:xfrm>
-            <a:off x="862328" y="25337283"/>
-            <a:ext cx="24401183" cy="10844970"/>
           </a:xfrm>
           <a:prstGeom prst="rect">
             <a:avLst/>
@@ -3591,7 +3711,7 @@
           <p:nvPr/>
         </p:nvPicPr>
         <p:blipFill>
-          <a:blip r:embed="rId5"/>
+          <a:blip r:embed="rId9"/>
           <a:stretch>
             <a:fillRect/>
           </a:stretch>
@@ -3621,7 +3741,7 @@
           <p:nvPr/>
         </p:nvPicPr>
         <p:blipFill>
-          <a:blip r:embed="rId6"/>
+          <a:blip r:embed="rId10"/>
           <a:stretch>
             <a:fillRect/>
           </a:stretch>
@@ -3651,7 +3771,7 @@
           <p:nvPr/>
         </p:nvPicPr>
         <p:blipFill>
-          <a:blip r:embed="rId7"/>
+          <a:blip r:embed="rId11"/>
           <a:stretch>
             <a:fillRect/>
           </a:stretch>
@@ -3681,7 +3801,7 @@
           <p:nvPr/>
         </p:nvPicPr>
         <p:blipFill>
-          <a:blip r:embed="rId8"/>
+          <a:blip r:embed="rId12"/>
           <a:stretch>
             <a:fillRect/>
           </a:stretch>
@@ -3988,96 +4108,6 @@
           </a:p>
         </p:txBody>
       </p:sp>
-      <p:pic>
-        <p:nvPicPr>
-          <p:cNvPr id="26" name="Picture 25" descr="Graphical user interface, application&#10;&#10;Description automatically generated with medium confidence">
-            <a:extLst>
-              <a:ext uri="{FF2B5EF4-FFF2-40B4-BE49-F238E27FC236}">
-                <a16:creationId xmlns:a16="http://schemas.microsoft.com/office/drawing/2014/main" id="{00177A18-D858-67E6-1BE8-FBDE421959EE}"/>
-              </a:ext>
-            </a:extLst>
-          </p:cNvPr>
-          <p:cNvPicPr>
-            <a:picLocks noChangeAspect="1"/>
-          </p:cNvPicPr>
-          <p:nvPr/>
-        </p:nvPicPr>
-        <p:blipFill>
-          <a:blip r:embed="rId9"/>
-          <a:stretch>
-            <a:fillRect/>
-          </a:stretch>
-        </p:blipFill>
-        <p:spPr>
-          <a:xfrm>
-            <a:off x="29799548" y="1395420"/>
-            <a:ext cx="20600402" cy="8011267"/>
-          </a:xfrm>
-          <a:prstGeom prst="rect">
-            <a:avLst/>
-          </a:prstGeom>
-        </p:spPr>
-      </p:pic>
-      <p:pic>
-        <p:nvPicPr>
-          <p:cNvPr id="28" name="Picture 27" descr="Chart, line chart&#10;&#10;Description automatically generated">
-            <a:extLst>
-              <a:ext uri="{FF2B5EF4-FFF2-40B4-BE49-F238E27FC236}">
-                <a16:creationId xmlns:a16="http://schemas.microsoft.com/office/drawing/2014/main" id="{2F47CD83-4492-FF93-16A8-CC4BB9F501D0}"/>
-              </a:ext>
-            </a:extLst>
-          </p:cNvPr>
-          <p:cNvPicPr>
-            <a:picLocks noChangeAspect="1"/>
-          </p:cNvPicPr>
-          <p:nvPr/>
-        </p:nvPicPr>
-        <p:blipFill>
-          <a:blip r:embed="rId10"/>
-          <a:stretch>
-            <a:fillRect/>
-          </a:stretch>
-        </p:blipFill>
-        <p:spPr>
-          <a:xfrm>
-            <a:off x="29799548" y="17131550"/>
-            <a:ext cx="20600402" cy="8011267"/>
-          </a:xfrm>
-          <a:prstGeom prst="rect">
-            <a:avLst/>
-          </a:prstGeom>
-        </p:spPr>
-      </p:pic>
-      <p:pic>
-        <p:nvPicPr>
-          <p:cNvPr id="31" name="Picture 30" descr="Chart, line chart&#10;&#10;Description automatically generated">
-            <a:extLst>
-              <a:ext uri="{FF2B5EF4-FFF2-40B4-BE49-F238E27FC236}">
-                <a16:creationId xmlns:a16="http://schemas.microsoft.com/office/drawing/2014/main" id="{A4B76D89-1C8E-7328-8F49-3A1022BDD584}"/>
-              </a:ext>
-            </a:extLst>
-          </p:cNvPr>
-          <p:cNvPicPr>
-            <a:picLocks noChangeAspect="1"/>
-          </p:cNvPicPr>
-          <p:nvPr/>
-        </p:nvPicPr>
-        <p:blipFill>
-          <a:blip r:embed="rId11"/>
-          <a:stretch>
-            <a:fillRect/>
-          </a:stretch>
-        </p:blipFill>
-        <p:spPr>
-          <a:xfrm>
-            <a:off x="29799546" y="9263486"/>
-            <a:ext cx="20600402" cy="8011267"/>
-          </a:xfrm>
-          <a:prstGeom prst="rect">
-            <a:avLst/>
-          </a:prstGeom>
-        </p:spPr>
-      </p:pic>
       <p:sp>
         <p:nvSpPr>
           <p:cNvPr id="36" name="Rectangle 35">
@@ -4244,36 +4274,6 @@
           </a:p>
         </p:txBody>
       </p:sp>
-      <p:pic>
-        <p:nvPicPr>
-          <p:cNvPr id="43" name="Picture 42" descr="Chart&#10;&#10;Description automatically generated">
-            <a:extLst>
-              <a:ext uri="{FF2B5EF4-FFF2-40B4-BE49-F238E27FC236}">
-                <a16:creationId xmlns:a16="http://schemas.microsoft.com/office/drawing/2014/main" id="{A37DC1B9-0ADD-A0B4-6559-FBF22BA5DCA9}"/>
-              </a:ext>
-            </a:extLst>
-          </p:cNvPr>
-          <p:cNvPicPr>
-            <a:picLocks noChangeAspect="1"/>
-          </p:cNvPicPr>
-          <p:nvPr/>
-        </p:nvPicPr>
-        <p:blipFill>
-          <a:blip r:embed="rId12"/>
-          <a:stretch>
-            <a:fillRect/>
-          </a:stretch>
-        </p:blipFill>
-        <p:spPr>
-          <a:xfrm>
-            <a:off x="26025539" y="25341014"/>
-            <a:ext cx="24401183" cy="10844970"/>
-          </a:xfrm>
-          <a:prstGeom prst="rect">
-            <a:avLst/>
-          </a:prstGeom>
-        </p:spPr>
-      </p:pic>
       <p:sp>
         <p:nvSpPr>
           <p:cNvPr id="44" name="TextBox 43">

--- a/Figures/Figure_3/Figure_3.pptx
+++ b/Figures/Figure_3/Figure_3.pptx
@@ -3414,10 +3414,10 @@
       </p:grpSpPr>
       <p:pic>
         <p:nvPicPr>
-          <p:cNvPr id="3" name="Picture 2" descr="A picture containing text, line, plot, number&#10;&#10;Description automatically generated">
+          <p:cNvPr id="35" name="Picture 34" descr="A picture containing plot, text, diagram, line&#10;&#10;Description automatically generated">
             <a:extLst>
               <a:ext uri="{FF2B5EF4-FFF2-40B4-BE49-F238E27FC236}">
-                <a16:creationId xmlns:a16="http://schemas.microsoft.com/office/drawing/2014/main" id="{343B91A2-C478-1B79-EE37-113C85403A45}"/>
+                <a16:creationId xmlns:a16="http://schemas.microsoft.com/office/drawing/2014/main" id="{389D2108-0ABB-95C9-7953-9B791054731A}"/>
               </a:ext>
             </a:extLst>
           </p:cNvPr>
@@ -3434,7 +3434,7 @@
         </p:blipFill>
         <p:spPr>
           <a:xfrm>
-            <a:off x="1374614" y="25571659"/>
+            <a:off x="26573231" y="25547483"/>
             <a:ext cx="23825361" cy="10589049"/>
           </a:xfrm>
           <a:prstGeom prst="rect">
@@ -3444,10 +3444,10 @@
       </p:pic>
       <p:pic>
         <p:nvPicPr>
-          <p:cNvPr id="6" name="Picture 5" descr="A picture containing plot, diagram, text, line&#10;&#10;Description automatically generated">
+          <p:cNvPr id="42" name="Picture 41" descr="A picture containing text, line, receipt, plot&#10;&#10;Description automatically generated">
             <a:extLst>
               <a:ext uri="{FF2B5EF4-FFF2-40B4-BE49-F238E27FC236}">
-                <a16:creationId xmlns:a16="http://schemas.microsoft.com/office/drawing/2014/main" id="{58839F6A-B0B1-4468-4ABF-C8107BA421B3}"/>
+                <a16:creationId xmlns:a16="http://schemas.microsoft.com/office/drawing/2014/main" id="{6B139C77-9166-BD34-EBF7-53CE16457A67}"/>
               </a:ext>
             </a:extLst>
           </p:cNvPr>
@@ -3464,7 +3464,7 @@
         </p:blipFill>
         <p:spPr>
           <a:xfrm>
-            <a:off x="26574587" y="25547483"/>
+            <a:off x="1374614" y="25571658"/>
             <a:ext cx="23825361" cy="10589049"/>
           </a:xfrm>
           <a:prstGeom prst="rect">
@@ -3474,10 +3474,10 @@
       </p:pic>
       <p:pic>
         <p:nvPicPr>
-          <p:cNvPr id="5" name="Picture 4" descr="Chart&#10;&#10;Description automatically generated with medium confidence">
+          <p:cNvPr id="29" name="Picture 28" descr="A picture containing text, screenshot, line, plot&#10;&#10;Description automatically generated">
             <a:extLst>
               <a:ext uri="{FF2B5EF4-FFF2-40B4-BE49-F238E27FC236}">
-                <a16:creationId xmlns:a16="http://schemas.microsoft.com/office/drawing/2014/main" id="{CDE71F2F-42AA-2559-ED6C-9C4B05FE2226}"/>
+                <a16:creationId xmlns:a16="http://schemas.microsoft.com/office/drawing/2014/main" id="{F95F56A7-E86A-CD5E-9D3A-34A9C3EDF1D7}"/>
               </a:ext>
             </a:extLst>
           </p:cNvPr>
@@ -3494,8 +3494,8 @@
         </p:blipFill>
         <p:spPr>
           <a:xfrm>
-            <a:off x="29842692" y="1395420"/>
-            <a:ext cx="20600401" cy="8011267"/>
+            <a:off x="29807049" y="1396804"/>
+            <a:ext cx="20600402" cy="8011267"/>
           </a:xfrm>
           <a:prstGeom prst="rect">
             <a:avLst/>
@@ -3504,10 +3504,10 @@
       </p:pic>
       <p:pic>
         <p:nvPicPr>
-          <p:cNvPr id="7" name="Picture 6" descr="Chart, line chart&#10;&#10;Description automatically generated">
+          <p:cNvPr id="31" name="Picture 30" descr="A picture containing line, plot, screenshot, text&#10;&#10;Description automatically generated">
             <a:extLst>
               <a:ext uri="{FF2B5EF4-FFF2-40B4-BE49-F238E27FC236}">
-                <a16:creationId xmlns:a16="http://schemas.microsoft.com/office/drawing/2014/main" id="{891915A9-1AC6-C11E-D1BC-86AF28BF8807}"/>
+                <a16:creationId xmlns:a16="http://schemas.microsoft.com/office/drawing/2014/main" id="{5353570D-D30A-444B-1724-686FA17CFF63}"/>
               </a:ext>
             </a:extLst>
           </p:cNvPr>
@@ -3524,8 +3524,8 @@
         </p:blipFill>
         <p:spPr>
           <a:xfrm>
-            <a:off x="29842693" y="16890317"/>
-            <a:ext cx="20600401" cy="8011267"/>
+            <a:off x="29830811" y="9002544"/>
+            <a:ext cx="20600402" cy="8011267"/>
           </a:xfrm>
           <a:prstGeom prst="rect">
             <a:avLst/>
@@ -3534,10 +3534,10 @@
       </p:pic>
       <p:pic>
         <p:nvPicPr>
-          <p:cNvPr id="10" name="Picture 9" descr="Chart, line chart&#10;&#10;Description automatically generated">
+          <p:cNvPr id="33" name="Picture 32" descr="A picture containing line, plot, screenshot, diagram&#10;&#10;Description automatically generated">
             <a:extLst>
               <a:ext uri="{FF2B5EF4-FFF2-40B4-BE49-F238E27FC236}">
-                <a16:creationId xmlns:a16="http://schemas.microsoft.com/office/drawing/2014/main" id="{439A79AF-22BD-44DE-12C1-3319BA5879CF}"/>
+                <a16:creationId xmlns:a16="http://schemas.microsoft.com/office/drawing/2014/main" id="{20C755C0-E3E4-66B5-D0A6-C64036F34BE5}"/>
               </a:ext>
             </a:extLst>
           </p:cNvPr>
@@ -3554,8 +3554,128 @@
         </p:blipFill>
         <p:spPr>
           <a:xfrm>
-            <a:off x="29842694" y="9058320"/>
-            <a:ext cx="20600401" cy="8011267"/>
+            <a:off x="29807049" y="16951995"/>
+            <a:ext cx="20600402" cy="8011267"/>
+          </a:xfrm>
+          <a:prstGeom prst="rect">
+            <a:avLst/>
+          </a:prstGeom>
+        </p:spPr>
+      </p:pic>
+      <p:pic>
+        <p:nvPicPr>
+          <p:cNvPr id="12" name="Picture 11" descr="A picture containing text, line, screenshot, plot&#10;&#10;Description automatically generated">
+            <a:extLst>
+              <a:ext uri="{FF2B5EF4-FFF2-40B4-BE49-F238E27FC236}">
+                <a16:creationId xmlns:a16="http://schemas.microsoft.com/office/drawing/2014/main" id="{6A8B385F-F6D1-A141-08FC-2C1995B88D56}"/>
+              </a:ext>
+            </a:extLst>
+          </p:cNvPr>
+          <p:cNvPicPr>
+            <a:picLocks noChangeAspect="1"/>
+          </p:cNvPicPr>
+          <p:nvPr/>
+        </p:nvPicPr>
+        <p:blipFill>
+          <a:blip r:embed="rId8"/>
+          <a:stretch>
+            <a:fillRect/>
+          </a:stretch>
+        </p:blipFill>
+        <p:spPr>
+          <a:xfrm>
+            <a:off x="15674629" y="12952018"/>
+            <a:ext cx="11816347" cy="11592694"/>
+          </a:xfrm>
+          <a:prstGeom prst="rect">
+            <a:avLst/>
+          </a:prstGeom>
+        </p:spPr>
+      </p:pic>
+      <p:pic>
+        <p:nvPicPr>
+          <p:cNvPr id="25" name="Picture 24" descr="A picture containing text, screenshot, line, plot&#10;&#10;Description automatically generated">
+            <a:extLst>
+              <a:ext uri="{FF2B5EF4-FFF2-40B4-BE49-F238E27FC236}">
+                <a16:creationId xmlns:a16="http://schemas.microsoft.com/office/drawing/2014/main" id="{8A1B713B-CB1C-4B38-1D36-2DE69DA13D32}"/>
+              </a:ext>
+            </a:extLst>
+          </p:cNvPr>
+          <p:cNvPicPr>
+            <a:picLocks noChangeAspect="1"/>
+          </p:cNvPicPr>
+          <p:nvPr/>
+        </p:nvPicPr>
+        <p:blipFill>
+          <a:blip r:embed="rId9"/>
+          <a:stretch>
+            <a:fillRect/>
+          </a:stretch>
+        </p:blipFill>
+        <p:spPr>
+          <a:xfrm>
+            <a:off x="3693990" y="12874596"/>
+            <a:ext cx="11816347" cy="11592694"/>
+          </a:xfrm>
+          <a:prstGeom prst="rect">
+            <a:avLst/>
+          </a:prstGeom>
+        </p:spPr>
+      </p:pic>
+      <p:pic>
+        <p:nvPicPr>
+          <p:cNvPr id="19" name="Picture 18" descr="A picture containing text, line, screenshot, plot&#10;&#10;Description automatically generated">
+            <a:extLst>
+              <a:ext uri="{FF2B5EF4-FFF2-40B4-BE49-F238E27FC236}">
+                <a16:creationId xmlns:a16="http://schemas.microsoft.com/office/drawing/2014/main" id="{9934D5B7-3A30-61CF-0067-520620EE8B89}"/>
+              </a:ext>
+            </a:extLst>
+          </p:cNvPr>
+          <p:cNvPicPr>
+            <a:picLocks noChangeAspect="1"/>
+          </p:cNvPicPr>
+          <p:nvPr/>
+        </p:nvPicPr>
+        <p:blipFill>
+          <a:blip r:embed="rId10"/>
+          <a:stretch>
+            <a:fillRect/>
+          </a:stretch>
+        </p:blipFill>
+        <p:spPr>
+          <a:xfrm>
+            <a:off x="15866437" y="766268"/>
+            <a:ext cx="11816347" cy="11592694"/>
+          </a:xfrm>
+          <a:prstGeom prst="rect">
+            <a:avLst/>
+          </a:prstGeom>
+        </p:spPr>
+      </p:pic>
+      <p:pic>
+        <p:nvPicPr>
+          <p:cNvPr id="27" name="Picture 26" descr="A picture containing text, screenshot, line, plot&#10;&#10;Description automatically generated">
+            <a:extLst>
+              <a:ext uri="{FF2B5EF4-FFF2-40B4-BE49-F238E27FC236}">
+                <a16:creationId xmlns:a16="http://schemas.microsoft.com/office/drawing/2014/main" id="{59D419F8-3B35-422B-D160-F8F0CB3D3907}"/>
+              </a:ext>
+            </a:extLst>
+          </p:cNvPr>
+          <p:cNvPicPr>
+            <a:picLocks noChangeAspect="1"/>
+          </p:cNvPicPr>
+          <p:nvPr/>
+        </p:nvPicPr>
+        <p:blipFill>
+          <a:blip r:embed="rId11"/>
+          <a:stretch>
+            <a:fillRect/>
+          </a:stretch>
+        </p:blipFill>
+        <p:spPr>
+          <a:xfrm>
+            <a:off x="3709197" y="799872"/>
+            <a:ext cx="11816347" cy="11592694"/>
           </a:xfrm>
           <a:prstGeom prst="rect">
             <a:avLst/>
@@ -3647,7 +3767,7 @@
           <p:nvPr/>
         </p:nvPicPr>
         <p:blipFill rotWithShape="1">
-          <a:blip r:embed="rId8"/>
+          <a:blip r:embed="rId12"/>
           <a:srcRect l="26740" t="8885" b="85397"/>
           <a:stretch/>
         </p:blipFill>
@@ -3696,126 +3816,6 @@
           </a:p>
         </p:txBody>
       </p:sp>
-      <p:pic>
-        <p:nvPicPr>
-          <p:cNvPr id="9" name="Picture 8" descr="Chart, line chart&#10;&#10;Description automatically generated">
-            <a:extLst>
-              <a:ext uri="{FF2B5EF4-FFF2-40B4-BE49-F238E27FC236}">
-                <a16:creationId xmlns:a16="http://schemas.microsoft.com/office/drawing/2014/main" id="{BD3865B9-0659-F407-C995-152DE62D8E85}"/>
-              </a:ext>
-            </a:extLst>
-          </p:cNvPr>
-          <p:cNvPicPr>
-            <a:picLocks noChangeAspect="1"/>
-          </p:cNvPicPr>
-          <p:nvPr/>
-        </p:nvPicPr>
-        <p:blipFill>
-          <a:blip r:embed="rId9"/>
-          <a:stretch>
-            <a:fillRect/>
-          </a:stretch>
-        </p:blipFill>
-        <p:spPr>
-          <a:xfrm>
-            <a:off x="15799328" y="12904978"/>
-            <a:ext cx="11816346" cy="11592693"/>
-          </a:xfrm>
-          <a:prstGeom prst="rect">
-            <a:avLst/>
-          </a:prstGeom>
-        </p:spPr>
-      </p:pic>
-      <p:pic>
-        <p:nvPicPr>
-          <p:cNvPr id="11" name="Picture 10" descr="Chart, line chart&#10;&#10;Description automatically generated">
-            <a:extLst>
-              <a:ext uri="{FF2B5EF4-FFF2-40B4-BE49-F238E27FC236}">
-                <a16:creationId xmlns:a16="http://schemas.microsoft.com/office/drawing/2014/main" id="{A811E895-1599-E062-8DD8-0EFB7F0D12C7}"/>
-              </a:ext>
-            </a:extLst>
-          </p:cNvPr>
-          <p:cNvPicPr>
-            <a:picLocks noChangeAspect="1"/>
-          </p:cNvPicPr>
-          <p:nvPr/>
-        </p:nvPicPr>
-        <p:blipFill>
-          <a:blip r:embed="rId10"/>
-          <a:stretch>
-            <a:fillRect/>
-          </a:stretch>
-        </p:blipFill>
-        <p:spPr>
-          <a:xfrm>
-            <a:off x="15862215" y="810490"/>
-            <a:ext cx="11816346" cy="11592693"/>
-          </a:xfrm>
-          <a:prstGeom prst="rect">
-            <a:avLst/>
-          </a:prstGeom>
-        </p:spPr>
-      </p:pic>
-      <p:pic>
-        <p:nvPicPr>
-          <p:cNvPr id="13" name="Picture 12" descr="Chart&#10;&#10;Description automatically generated with medium confidence">
-            <a:extLst>
-              <a:ext uri="{FF2B5EF4-FFF2-40B4-BE49-F238E27FC236}">
-                <a16:creationId xmlns:a16="http://schemas.microsoft.com/office/drawing/2014/main" id="{0A2969FD-AA0B-48C7-5FCC-B51F5F7FD620}"/>
-              </a:ext>
-            </a:extLst>
-          </p:cNvPr>
-          <p:cNvPicPr>
-            <a:picLocks noChangeAspect="1"/>
-          </p:cNvPicPr>
-          <p:nvPr/>
-        </p:nvPicPr>
-        <p:blipFill>
-          <a:blip r:embed="rId11"/>
-          <a:stretch>
-            <a:fillRect/>
-          </a:stretch>
-        </p:blipFill>
-        <p:spPr>
-          <a:xfrm>
-            <a:off x="3645142" y="12874508"/>
-            <a:ext cx="11816346" cy="11592693"/>
-          </a:xfrm>
-          <a:prstGeom prst="rect">
-            <a:avLst/>
-          </a:prstGeom>
-        </p:spPr>
-      </p:pic>
-      <p:pic>
-        <p:nvPicPr>
-          <p:cNvPr id="15" name="Picture 14" descr="Chart&#10;&#10;Description automatically generated">
-            <a:extLst>
-              <a:ext uri="{FF2B5EF4-FFF2-40B4-BE49-F238E27FC236}">
-                <a16:creationId xmlns:a16="http://schemas.microsoft.com/office/drawing/2014/main" id="{28D85A04-2A38-CAEB-8976-097297541AE6}"/>
-              </a:ext>
-            </a:extLst>
-          </p:cNvPr>
-          <p:cNvPicPr>
-            <a:picLocks noChangeAspect="1"/>
-          </p:cNvPicPr>
-          <p:nvPr/>
-        </p:nvPicPr>
-        <p:blipFill>
-          <a:blip r:embed="rId12"/>
-          <a:stretch>
-            <a:fillRect/>
-          </a:stretch>
-        </p:blipFill>
-        <p:spPr>
-          <a:xfrm>
-            <a:off x="3645143" y="810491"/>
-            <a:ext cx="11816346" cy="11592693"/>
-          </a:xfrm>
-          <a:prstGeom prst="rect">
-            <a:avLst/>
-          </a:prstGeom>
-        </p:spPr>
-      </p:pic>
       <p:sp>
         <p:nvSpPr>
           <p:cNvPr id="17" name="Rectangle 16">

--- a/Figures/Figure_3/Figure_3.pptx
+++ b/Figures/Figure_3/Figure_3.pptx
@@ -197,7 +197,7 @@
           <a:p>
             <a:fld id="{ABD72DE5-B6EE-E147-A976-7400C289695F}" type="datetimeFigureOut">
               <a:rPr lang="en-US" smtClean="0"/>
-              <a:t>5/5/23</a:t>
+              <a:t>5/7/23</a:t>
             </a:fld>
             <a:endParaRPr lang="en-US"/>
           </a:p>
@@ -684,7 +684,7 @@
           <a:p>
             <a:fld id="{5829EFD3-DAAF-1A4D-98F0-A61E9156FD54}" type="datetimeFigureOut">
               <a:rPr lang="en-US" smtClean="0"/>
-              <a:t>5/5/23</a:t>
+              <a:t>5/7/23</a:t>
             </a:fld>
             <a:endParaRPr lang="en-US"/>
           </a:p>
@@ -854,7 +854,7 @@
           <a:p>
             <a:fld id="{5829EFD3-DAAF-1A4D-98F0-A61E9156FD54}" type="datetimeFigureOut">
               <a:rPr lang="en-US" smtClean="0"/>
-              <a:t>5/5/23</a:t>
+              <a:t>5/7/23</a:t>
             </a:fld>
             <a:endParaRPr lang="en-US"/>
           </a:p>
@@ -1034,7 +1034,7 @@
           <a:p>
             <a:fld id="{5829EFD3-DAAF-1A4D-98F0-A61E9156FD54}" type="datetimeFigureOut">
               <a:rPr lang="en-US" smtClean="0"/>
-              <a:t>5/5/23</a:t>
+              <a:t>5/7/23</a:t>
             </a:fld>
             <a:endParaRPr lang="en-US"/>
           </a:p>
@@ -1204,7 +1204,7 @@
           <a:p>
             <a:fld id="{5829EFD3-DAAF-1A4D-98F0-A61E9156FD54}" type="datetimeFigureOut">
               <a:rPr lang="en-US" smtClean="0"/>
-              <a:t>5/5/23</a:t>
+              <a:t>5/7/23</a:t>
             </a:fld>
             <a:endParaRPr lang="en-US"/>
           </a:p>
@@ -1448,7 +1448,7 @@
           <a:p>
             <a:fld id="{5829EFD3-DAAF-1A4D-98F0-A61E9156FD54}" type="datetimeFigureOut">
               <a:rPr lang="en-US" smtClean="0"/>
-              <a:t>5/5/23</a:t>
+              <a:t>5/7/23</a:t>
             </a:fld>
             <a:endParaRPr lang="en-US"/>
           </a:p>
@@ -1680,7 +1680,7 @@
           <a:p>
             <a:fld id="{5829EFD3-DAAF-1A4D-98F0-A61E9156FD54}" type="datetimeFigureOut">
               <a:rPr lang="en-US" smtClean="0"/>
-              <a:t>5/5/23</a:t>
+              <a:t>5/7/23</a:t>
             </a:fld>
             <a:endParaRPr lang="en-US"/>
           </a:p>
@@ -2047,7 +2047,7 @@
           <a:p>
             <a:fld id="{5829EFD3-DAAF-1A4D-98F0-A61E9156FD54}" type="datetimeFigureOut">
               <a:rPr lang="en-US" smtClean="0"/>
-              <a:t>5/5/23</a:t>
+              <a:t>5/7/23</a:t>
             </a:fld>
             <a:endParaRPr lang="en-US"/>
           </a:p>
@@ -2165,7 +2165,7 @@
           <a:p>
             <a:fld id="{5829EFD3-DAAF-1A4D-98F0-A61E9156FD54}" type="datetimeFigureOut">
               <a:rPr lang="en-US" smtClean="0"/>
-              <a:t>5/5/23</a:t>
+              <a:t>5/7/23</a:t>
             </a:fld>
             <a:endParaRPr lang="en-US"/>
           </a:p>
@@ -2260,7 +2260,7 @@
           <a:p>
             <a:fld id="{5829EFD3-DAAF-1A4D-98F0-A61E9156FD54}" type="datetimeFigureOut">
               <a:rPr lang="en-US" smtClean="0"/>
-              <a:t>5/5/23</a:t>
+              <a:t>5/7/23</a:t>
             </a:fld>
             <a:endParaRPr lang="en-US"/>
           </a:p>
@@ -2537,7 +2537,7 @@
           <a:p>
             <a:fld id="{5829EFD3-DAAF-1A4D-98F0-A61E9156FD54}" type="datetimeFigureOut">
               <a:rPr lang="en-US" smtClean="0"/>
-              <a:t>5/5/23</a:t>
+              <a:t>5/7/23</a:t>
             </a:fld>
             <a:endParaRPr lang="en-US"/>
           </a:p>
@@ -2794,7 +2794,7 @@
           <a:p>
             <a:fld id="{5829EFD3-DAAF-1A4D-98F0-A61E9156FD54}" type="datetimeFigureOut">
               <a:rPr lang="en-US" smtClean="0"/>
-              <a:t>5/5/23</a:t>
+              <a:t>5/7/23</a:t>
             </a:fld>
             <a:endParaRPr lang="en-US"/>
           </a:p>
@@ -3007,7 +3007,7 @@
           <a:p>
             <a:fld id="{5829EFD3-DAAF-1A4D-98F0-A61E9156FD54}" type="datetimeFigureOut">
               <a:rPr lang="en-US" smtClean="0"/>
-              <a:t>5/5/23</a:t>
+              <a:t>5/7/23</a:t>
             </a:fld>
             <a:endParaRPr lang="en-US"/>
           </a:p>
@@ -3414,10 +3414,10 @@
       </p:grpSpPr>
       <p:pic>
         <p:nvPicPr>
-          <p:cNvPr id="35" name="Picture 34" descr="A picture containing plot, text, diagram, line&#10;&#10;Description automatically generated">
+          <p:cNvPr id="14" name="Picture 13" descr="A picture containing text, diagram, line, plot&#10;&#10;Description automatically generated">
             <a:extLst>
               <a:ext uri="{FF2B5EF4-FFF2-40B4-BE49-F238E27FC236}">
-                <a16:creationId xmlns:a16="http://schemas.microsoft.com/office/drawing/2014/main" id="{389D2108-0ABB-95C9-7953-9B791054731A}"/>
+                <a16:creationId xmlns:a16="http://schemas.microsoft.com/office/drawing/2014/main" id="{2E33F60A-9988-F3C7-AB37-8ABC19065D4C}"/>
               </a:ext>
             </a:extLst>
           </p:cNvPr>
@@ -3434,260 +3434,20 @@
         </p:blipFill>
         <p:spPr>
           <a:xfrm>
-            <a:off x="26573231" y="25547483"/>
-            <a:ext cx="23825361" cy="10589049"/>
+            <a:off x="1887470" y="10939114"/>
+            <a:ext cx="33165361" cy="11754811"/>
           </a:xfrm>
           <a:prstGeom prst="rect">
             <a:avLst/>
           </a:prstGeom>
         </p:spPr>
       </p:pic>
-      <p:pic>
-        <p:nvPicPr>
-          <p:cNvPr id="42" name="Picture 41" descr="A picture containing text, line, receipt, plot&#10;&#10;Description automatically generated">
+      <p:sp>
+        <p:nvSpPr>
+          <p:cNvPr id="13" name="TextBox 12">
             <a:extLst>
               <a:ext uri="{FF2B5EF4-FFF2-40B4-BE49-F238E27FC236}">
-                <a16:creationId xmlns:a16="http://schemas.microsoft.com/office/drawing/2014/main" id="{6B139C77-9166-BD34-EBF7-53CE16457A67}"/>
-              </a:ext>
-            </a:extLst>
-          </p:cNvPr>
-          <p:cNvPicPr>
-            <a:picLocks noChangeAspect="1"/>
-          </p:cNvPicPr>
-          <p:nvPr/>
-        </p:nvPicPr>
-        <p:blipFill>
-          <a:blip r:embed="rId4"/>
-          <a:stretch>
-            <a:fillRect/>
-          </a:stretch>
-        </p:blipFill>
-        <p:spPr>
-          <a:xfrm>
-            <a:off x="1374614" y="25571658"/>
-            <a:ext cx="23825361" cy="10589049"/>
-          </a:xfrm>
-          <a:prstGeom prst="rect">
-            <a:avLst/>
-          </a:prstGeom>
-        </p:spPr>
-      </p:pic>
-      <p:pic>
-        <p:nvPicPr>
-          <p:cNvPr id="29" name="Picture 28" descr="A picture containing text, screenshot, line, plot&#10;&#10;Description automatically generated">
-            <a:extLst>
-              <a:ext uri="{FF2B5EF4-FFF2-40B4-BE49-F238E27FC236}">
-                <a16:creationId xmlns:a16="http://schemas.microsoft.com/office/drawing/2014/main" id="{F95F56A7-E86A-CD5E-9D3A-34A9C3EDF1D7}"/>
-              </a:ext>
-            </a:extLst>
-          </p:cNvPr>
-          <p:cNvPicPr>
-            <a:picLocks noChangeAspect="1"/>
-          </p:cNvPicPr>
-          <p:nvPr/>
-        </p:nvPicPr>
-        <p:blipFill>
-          <a:blip r:embed="rId5"/>
-          <a:stretch>
-            <a:fillRect/>
-          </a:stretch>
-        </p:blipFill>
-        <p:spPr>
-          <a:xfrm>
-            <a:off x="29807049" y="1396804"/>
-            <a:ext cx="20600402" cy="8011267"/>
-          </a:xfrm>
-          <a:prstGeom prst="rect">
-            <a:avLst/>
-          </a:prstGeom>
-        </p:spPr>
-      </p:pic>
-      <p:pic>
-        <p:nvPicPr>
-          <p:cNvPr id="31" name="Picture 30" descr="A picture containing line, plot, screenshot, text&#10;&#10;Description automatically generated">
-            <a:extLst>
-              <a:ext uri="{FF2B5EF4-FFF2-40B4-BE49-F238E27FC236}">
-                <a16:creationId xmlns:a16="http://schemas.microsoft.com/office/drawing/2014/main" id="{5353570D-D30A-444B-1724-686FA17CFF63}"/>
-              </a:ext>
-            </a:extLst>
-          </p:cNvPr>
-          <p:cNvPicPr>
-            <a:picLocks noChangeAspect="1"/>
-          </p:cNvPicPr>
-          <p:nvPr/>
-        </p:nvPicPr>
-        <p:blipFill>
-          <a:blip r:embed="rId6"/>
-          <a:stretch>
-            <a:fillRect/>
-          </a:stretch>
-        </p:blipFill>
-        <p:spPr>
-          <a:xfrm>
-            <a:off x="29830811" y="9002544"/>
-            <a:ext cx="20600402" cy="8011267"/>
-          </a:xfrm>
-          <a:prstGeom prst="rect">
-            <a:avLst/>
-          </a:prstGeom>
-        </p:spPr>
-      </p:pic>
-      <p:pic>
-        <p:nvPicPr>
-          <p:cNvPr id="33" name="Picture 32" descr="A picture containing line, plot, screenshot, diagram&#10;&#10;Description automatically generated">
-            <a:extLst>
-              <a:ext uri="{FF2B5EF4-FFF2-40B4-BE49-F238E27FC236}">
-                <a16:creationId xmlns:a16="http://schemas.microsoft.com/office/drawing/2014/main" id="{20C755C0-E3E4-66B5-D0A6-C64036F34BE5}"/>
-              </a:ext>
-            </a:extLst>
-          </p:cNvPr>
-          <p:cNvPicPr>
-            <a:picLocks noChangeAspect="1"/>
-          </p:cNvPicPr>
-          <p:nvPr/>
-        </p:nvPicPr>
-        <p:blipFill>
-          <a:blip r:embed="rId7"/>
-          <a:stretch>
-            <a:fillRect/>
-          </a:stretch>
-        </p:blipFill>
-        <p:spPr>
-          <a:xfrm>
-            <a:off x="29807049" y="16951995"/>
-            <a:ext cx="20600402" cy="8011267"/>
-          </a:xfrm>
-          <a:prstGeom prst="rect">
-            <a:avLst/>
-          </a:prstGeom>
-        </p:spPr>
-      </p:pic>
-      <p:pic>
-        <p:nvPicPr>
-          <p:cNvPr id="12" name="Picture 11" descr="A picture containing text, line, screenshot, plot&#10;&#10;Description automatically generated">
-            <a:extLst>
-              <a:ext uri="{FF2B5EF4-FFF2-40B4-BE49-F238E27FC236}">
-                <a16:creationId xmlns:a16="http://schemas.microsoft.com/office/drawing/2014/main" id="{6A8B385F-F6D1-A141-08FC-2C1995B88D56}"/>
-              </a:ext>
-            </a:extLst>
-          </p:cNvPr>
-          <p:cNvPicPr>
-            <a:picLocks noChangeAspect="1"/>
-          </p:cNvPicPr>
-          <p:nvPr/>
-        </p:nvPicPr>
-        <p:blipFill>
-          <a:blip r:embed="rId8"/>
-          <a:stretch>
-            <a:fillRect/>
-          </a:stretch>
-        </p:blipFill>
-        <p:spPr>
-          <a:xfrm>
-            <a:off x="15674629" y="12952018"/>
-            <a:ext cx="11816347" cy="11592694"/>
-          </a:xfrm>
-          <a:prstGeom prst="rect">
-            <a:avLst/>
-          </a:prstGeom>
-        </p:spPr>
-      </p:pic>
-      <p:pic>
-        <p:nvPicPr>
-          <p:cNvPr id="25" name="Picture 24" descr="A picture containing text, screenshot, line, plot&#10;&#10;Description automatically generated">
-            <a:extLst>
-              <a:ext uri="{FF2B5EF4-FFF2-40B4-BE49-F238E27FC236}">
-                <a16:creationId xmlns:a16="http://schemas.microsoft.com/office/drawing/2014/main" id="{8A1B713B-CB1C-4B38-1D36-2DE69DA13D32}"/>
-              </a:ext>
-            </a:extLst>
-          </p:cNvPr>
-          <p:cNvPicPr>
-            <a:picLocks noChangeAspect="1"/>
-          </p:cNvPicPr>
-          <p:nvPr/>
-        </p:nvPicPr>
-        <p:blipFill>
-          <a:blip r:embed="rId9"/>
-          <a:stretch>
-            <a:fillRect/>
-          </a:stretch>
-        </p:blipFill>
-        <p:spPr>
-          <a:xfrm>
-            <a:off x="3693990" y="12874596"/>
-            <a:ext cx="11816347" cy="11592694"/>
-          </a:xfrm>
-          <a:prstGeom prst="rect">
-            <a:avLst/>
-          </a:prstGeom>
-        </p:spPr>
-      </p:pic>
-      <p:pic>
-        <p:nvPicPr>
-          <p:cNvPr id="19" name="Picture 18" descr="A picture containing text, line, screenshot, plot&#10;&#10;Description automatically generated">
-            <a:extLst>
-              <a:ext uri="{FF2B5EF4-FFF2-40B4-BE49-F238E27FC236}">
-                <a16:creationId xmlns:a16="http://schemas.microsoft.com/office/drawing/2014/main" id="{9934D5B7-3A30-61CF-0067-520620EE8B89}"/>
-              </a:ext>
-            </a:extLst>
-          </p:cNvPr>
-          <p:cNvPicPr>
-            <a:picLocks noChangeAspect="1"/>
-          </p:cNvPicPr>
-          <p:nvPr/>
-        </p:nvPicPr>
-        <p:blipFill>
-          <a:blip r:embed="rId10"/>
-          <a:stretch>
-            <a:fillRect/>
-          </a:stretch>
-        </p:blipFill>
-        <p:spPr>
-          <a:xfrm>
-            <a:off x="15866437" y="766268"/>
-            <a:ext cx="11816347" cy="11592694"/>
-          </a:xfrm>
-          <a:prstGeom prst="rect">
-            <a:avLst/>
-          </a:prstGeom>
-        </p:spPr>
-      </p:pic>
-      <p:pic>
-        <p:nvPicPr>
-          <p:cNvPr id="27" name="Picture 26" descr="A picture containing text, screenshot, line, plot&#10;&#10;Description automatically generated">
-            <a:extLst>
-              <a:ext uri="{FF2B5EF4-FFF2-40B4-BE49-F238E27FC236}">
-                <a16:creationId xmlns:a16="http://schemas.microsoft.com/office/drawing/2014/main" id="{59D419F8-3B35-422B-D160-F8F0CB3D3907}"/>
-              </a:ext>
-            </a:extLst>
-          </p:cNvPr>
-          <p:cNvPicPr>
-            <a:picLocks noChangeAspect="1"/>
-          </p:cNvPicPr>
-          <p:nvPr/>
-        </p:nvPicPr>
-        <p:blipFill>
-          <a:blip r:embed="rId11"/>
-          <a:stretch>
-            <a:fillRect/>
-          </a:stretch>
-        </p:blipFill>
-        <p:spPr>
-          <a:xfrm>
-            <a:off x="3709197" y="799872"/>
-            <a:ext cx="11816347" cy="11592694"/>
-          </a:xfrm>
-          <a:prstGeom prst="rect">
-            <a:avLst/>
-          </a:prstGeom>
-        </p:spPr>
-      </p:pic>
-      <p:sp>
-        <p:nvSpPr>
-          <p:cNvPr id="156" name="TextBox 155">
-            <a:extLst>
-              <a:ext uri="{FF2B5EF4-FFF2-40B4-BE49-F238E27FC236}">
-                <a16:creationId xmlns:a16="http://schemas.microsoft.com/office/drawing/2014/main" id="{A11A4635-C05F-135B-ADD6-9C2D296C2FD1}"/>
+                <a16:creationId xmlns:a16="http://schemas.microsoft.com/office/drawing/2014/main" id="{39F6D17D-EE6F-26CE-4CE4-126B5907638D}"/>
               </a:ext>
             </a:extLst>
           </p:cNvPr>
@@ -3719,109 +3479,10 @@
       </p:sp>
       <p:sp>
         <p:nvSpPr>
-          <p:cNvPr id="157" name="TextBox 156">
+          <p:cNvPr id="15" name="Rectangle 14">
             <a:extLst>
               <a:ext uri="{FF2B5EF4-FFF2-40B4-BE49-F238E27FC236}">
-                <a16:creationId xmlns:a16="http://schemas.microsoft.com/office/drawing/2014/main" id="{E5E0C40D-425A-FEEF-A700-9B8BD2F60D50}"/>
-              </a:ext>
-            </a:extLst>
-          </p:cNvPr>
-          <p:cNvSpPr txBox="1"/>
-          <p:nvPr/>
-        </p:nvSpPr>
-        <p:spPr>
-          <a:xfrm>
-            <a:off x="28789337" y="-391160"/>
-            <a:ext cx="1010213" cy="1938992"/>
-          </a:xfrm>
-          <a:prstGeom prst="rect">
-            <a:avLst/>
-          </a:prstGeom>
-          <a:noFill/>
-        </p:spPr>
-        <p:txBody>
-          <a:bodyPr wrap="none" rtlCol="0">
-            <a:spAutoFit/>
-          </a:bodyPr>
-          <a:lstStyle/>
-          <a:p>
-            <a:r>
-              <a:rPr lang="en-US" sz="12000" b="1" dirty="0"/>
-              <a:t>b</a:t>
-            </a:r>
-          </a:p>
-        </p:txBody>
-      </p:sp>
-      <p:pic>
-        <p:nvPicPr>
-          <p:cNvPr id="37" name="Picture 36" descr="Graphical user interface, application&#10;&#10;Description automatically generated">
-            <a:extLst>
-              <a:ext uri="{FF2B5EF4-FFF2-40B4-BE49-F238E27FC236}">
-                <a16:creationId xmlns:a16="http://schemas.microsoft.com/office/drawing/2014/main" id="{7E412700-97E1-7758-ACE7-354FCE4BDD6B}"/>
-              </a:ext>
-            </a:extLst>
-          </p:cNvPr>
-          <p:cNvPicPr>
-            <a:picLocks noChangeAspect="1"/>
-          </p:cNvPicPr>
-          <p:nvPr/>
-        </p:nvPicPr>
-        <p:blipFill rotWithShape="1">
-          <a:blip r:embed="rId12"/>
-          <a:srcRect l="26740" t="8885" b="85397"/>
-          <a:stretch/>
-        </p:blipFill>
-        <p:spPr>
-          <a:xfrm>
-            <a:off x="31603488" y="321363"/>
-            <a:ext cx="18796460" cy="733533"/>
-          </a:xfrm>
-          <a:prstGeom prst="rect">
-            <a:avLst/>
-          </a:prstGeom>
-        </p:spPr>
-      </p:pic>
-      <p:sp>
-        <p:nvSpPr>
-          <p:cNvPr id="48" name="TextBox 47">
-            <a:extLst>
-              <a:ext uri="{FF2B5EF4-FFF2-40B4-BE49-F238E27FC236}">
-                <a16:creationId xmlns:a16="http://schemas.microsoft.com/office/drawing/2014/main" id="{54D1587E-18AE-9980-C516-9BAAB086AB56}"/>
-              </a:ext>
-            </a:extLst>
-          </p:cNvPr>
-          <p:cNvSpPr txBox="1"/>
-          <p:nvPr/>
-        </p:nvSpPr>
-        <p:spPr>
-          <a:xfrm>
-            <a:off x="562237" y="24623707"/>
-            <a:ext cx="998991" cy="1938992"/>
-          </a:xfrm>
-          <a:prstGeom prst="rect">
-            <a:avLst/>
-          </a:prstGeom>
-          <a:noFill/>
-        </p:spPr>
-        <p:txBody>
-          <a:bodyPr wrap="none" rtlCol="0">
-            <a:spAutoFit/>
-          </a:bodyPr>
-          <a:lstStyle/>
-          <a:p>
-            <a:r>
-              <a:rPr lang="en-US" sz="12000" b="1" dirty="0"/>
-              <a:t>C</a:t>
-            </a:r>
-          </a:p>
-        </p:txBody>
-      </p:sp>
-      <p:sp>
-        <p:nvSpPr>
-          <p:cNvPr id="17" name="Rectangle 16">
-            <a:extLst>
-              <a:ext uri="{FF2B5EF4-FFF2-40B4-BE49-F238E27FC236}">
-                <a16:creationId xmlns:a16="http://schemas.microsoft.com/office/drawing/2014/main" id="{1A11BC77-965E-8C8E-4D56-16A7BEF7DC6B}"/>
+                <a16:creationId xmlns:a16="http://schemas.microsoft.com/office/drawing/2014/main" id="{D3A1F978-E7FE-44DD-AEA0-D7325EF67A1C}"/>
               </a:ext>
             </a:extLst>
           </p:cNvPr>
@@ -3830,300 +3491,8 @@
         </p:nvSpPr>
         <p:spPr>
           <a:xfrm>
-            <a:off x="1674221" y="522170"/>
-            <a:ext cx="26123077" cy="23896418"/>
-          </a:xfrm>
-          <a:prstGeom prst="rect">
-            <a:avLst/>
-          </a:prstGeom>
-          <a:noFill/>
-          <a:ln w="76200">
-            <a:solidFill>
-              <a:schemeClr val="tx1"/>
-            </a:solidFill>
-          </a:ln>
-        </p:spPr>
-        <p:style>
-          <a:lnRef idx="2">
-            <a:schemeClr val="accent1">
-              <a:shade val="50000"/>
-            </a:schemeClr>
-          </a:lnRef>
-          <a:fillRef idx="1">
-            <a:schemeClr val="accent1"/>
-          </a:fillRef>
-          <a:effectRef idx="0">
-            <a:schemeClr val="accent1"/>
-          </a:effectRef>
-          <a:fontRef idx="minor">
-            <a:schemeClr val="lt1"/>
-          </a:fontRef>
-        </p:style>
-        <p:txBody>
-          <a:bodyPr rtlCol="0" anchor="ctr"/>
-          <a:lstStyle/>
-          <a:p>
-            <a:pPr algn="ctr"/>
-            <a:endParaRPr lang="en-US" dirty="0"/>
-          </a:p>
-        </p:txBody>
-      </p:sp>
-      <p:sp>
-        <p:nvSpPr>
-          <p:cNvPr id="20" name="Rectangle 19">
-            <a:extLst>
-              <a:ext uri="{FF2B5EF4-FFF2-40B4-BE49-F238E27FC236}">
-                <a16:creationId xmlns:a16="http://schemas.microsoft.com/office/drawing/2014/main" id="{D29E00D7-C7EF-5F4E-40DD-5DE4E023362B}"/>
-              </a:ext>
-            </a:extLst>
-          </p:cNvPr>
-          <p:cNvSpPr/>
-          <p:nvPr/>
-        </p:nvSpPr>
-        <p:spPr>
-          <a:xfrm>
-            <a:off x="1694518" y="522170"/>
-            <a:ext cx="1616147" cy="11831270"/>
-          </a:xfrm>
-          <a:prstGeom prst="rect">
-            <a:avLst/>
-          </a:prstGeom>
-          <a:noFill/>
-          <a:ln w="76200">
-            <a:solidFill>
-              <a:schemeClr val="tx1"/>
-            </a:solidFill>
-          </a:ln>
-        </p:spPr>
-        <p:style>
-          <a:lnRef idx="2">
-            <a:schemeClr val="accent1">
-              <a:shade val="50000"/>
-            </a:schemeClr>
-          </a:lnRef>
-          <a:fillRef idx="1">
-            <a:schemeClr val="accent1"/>
-          </a:fillRef>
-          <a:effectRef idx="0">
-            <a:schemeClr val="accent1"/>
-          </a:effectRef>
-          <a:fontRef idx="minor">
-            <a:schemeClr val="lt1"/>
-          </a:fontRef>
-        </p:style>
-        <p:txBody>
-          <a:bodyPr vert="vert270" rtlCol="0" anchor="ctr"/>
-          <a:lstStyle/>
-          <a:p>
-            <a:pPr algn="ctr"/>
-            <a:r>
-              <a:rPr lang="en-US" sz="8000" b="1" dirty="0" err="1">
-                <a:solidFill>
-                  <a:schemeClr val="tx1"/>
-                </a:solidFill>
-                <a:latin typeface="Microsoft JhengHei UI" panose="020B0604030504040204" pitchFamily="34" charset="-120"/>
-                <a:ea typeface="Microsoft JhengHei UI" panose="020B0604030504040204" pitchFamily="34" charset="-120"/>
-              </a:rPr>
-              <a:t>Positive_MANE</a:t>
-            </a:r>
-            <a:endParaRPr lang="en-US" sz="8000" b="1" dirty="0">
-              <a:solidFill>
-                <a:schemeClr val="tx1"/>
-              </a:solidFill>
-              <a:latin typeface="Microsoft JhengHei UI" panose="020B0604030504040204" pitchFamily="34" charset="-120"/>
-              <a:ea typeface="Microsoft JhengHei UI" panose="020B0604030504040204" pitchFamily="34" charset="-120"/>
-            </a:endParaRPr>
-          </a:p>
-        </p:txBody>
-      </p:sp>
-      <p:sp>
-        <p:nvSpPr>
-          <p:cNvPr id="22" name="Rectangle 21">
-            <a:extLst>
-              <a:ext uri="{FF2B5EF4-FFF2-40B4-BE49-F238E27FC236}">
-                <a16:creationId xmlns:a16="http://schemas.microsoft.com/office/drawing/2014/main" id="{339636F9-6601-E245-254B-7397C3AD7EC1}"/>
-              </a:ext>
-            </a:extLst>
-          </p:cNvPr>
-          <p:cNvSpPr/>
-          <p:nvPr/>
-        </p:nvSpPr>
-        <p:spPr>
-          <a:xfrm>
-            <a:off x="1694516" y="522170"/>
-            <a:ext cx="26102781" cy="11831270"/>
-          </a:xfrm>
-          <a:prstGeom prst="rect">
-            <a:avLst/>
-          </a:prstGeom>
-          <a:noFill/>
-          <a:ln w="76200">
-            <a:solidFill>
-              <a:schemeClr val="tx1"/>
-            </a:solidFill>
-          </a:ln>
-        </p:spPr>
-        <p:style>
-          <a:lnRef idx="2">
-            <a:schemeClr val="accent1">
-              <a:shade val="50000"/>
-            </a:schemeClr>
-          </a:lnRef>
-          <a:fillRef idx="1">
-            <a:schemeClr val="accent1"/>
-          </a:fillRef>
-          <a:effectRef idx="0">
-            <a:schemeClr val="accent1"/>
-          </a:effectRef>
-          <a:fontRef idx="minor">
-            <a:schemeClr val="lt1"/>
-          </a:fontRef>
-        </p:style>
-        <p:txBody>
-          <a:bodyPr rtlCol="0" anchor="ctr"/>
-          <a:lstStyle/>
-          <a:p>
-            <a:pPr algn="ctr"/>
-            <a:endParaRPr lang="en-US" dirty="0"/>
-          </a:p>
-        </p:txBody>
-      </p:sp>
-      <p:sp>
-        <p:nvSpPr>
-          <p:cNvPr id="23" name="Rectangle 22">
-            <a:extLst>
-              <a:ext uri="{FF2B5EF4-FFF2-40B4-BE49-F238E27FC236}">
-                <a16:creationId xmlns:a16="http://schemas.microsoft.com/office/drawing/2014/main" id="{E0FC9220-4B1E-49D3-A1B2-28CD7A8BDD65}"/>
-              </a:ext>
-            </a:extLst>
-          </p:cNvPr>
-          <p:cNvSpPr/>
-          <p:nvPr/>
-        </p:nvSpPr>
-        <p:spPr>
-          <a:xfrm>
-            <a:off x="1679310" y="12587318"/>
-            <a:ext cx="26102781" cy="11831270"/>
-          </a:xfrm>
-          <a:prstGeom prst="rect">
-            <a:avLst/>
-          </a:prstGeom>
-          <a:noFill/>
-          <a:ln w="76200">
-            <a:solidFill>
-              <a:schemeClr val="tx1"/>
-            </a:solidFill>
-          </a:ln>
-        </p:spPr>
-        <p:style>
-          <a:lnRef idx="2">
-            <a:schemeClr val="accent1">
-              <a:shade val="50000"/>
-            </a:schemeClr>
-          </a:lnRef>
-          <a:fillRef idx="1">
-            <a:schemeClr val="accent1"/>
-          </a:fillRef>
-          <a:effectRef idx="0">
-            <a:schemeClr val="accent1"/>
-          </a:effectRef>
-          <a:fontRef idx="minor">
-            <a:schemeClr val="lt1"/>
-          </a:fontRef>
-        </p:style>
-        <p:txBody>
-          <a:bodyPr rtlCol="0" anchor="ctr"/>
-          <a:lstStyle/>
-          <a:p>
-            <a:pPr algn="ctr"/>
-            <a:endParaRPr lang="en-US" dirty="0"/>
-          </a:p>
-        </p:txBody>
-      </p:sp>
-      <p:sp>
-        <p:nvSpPr>
-          <p:cNvPr id="24" name="Rectangle 23">
-            <a:extLst>
-              <a:ext uri="{FF2B5EF4-FFF2-40B4-BE49-F238E27FC236}">
-                <a16:creationId xmlns:a16="http://schemas.microsoft.com/office/drawing/2014/main" id="{2422A07E-0037-5BB6-6882-E0661D1B1E27}"/>
-              </a:ext>
-            </a:extLst>
-          </p:cNvPr>
-          <p:cNvSpPr/>
-          <p:nvPr/>
-        </p:nvSpPr>
-        <p:spPr>
-          <a:xfrm>
-            <a:off x="1698766" y="12611494"/>
-            <a:ext cx="1616147" cy="11831270"/>
-          </a:xfrm>
-          <a:prstGeom prst="rect">
-            <a:avLst/>
-          </a:prstGeom>
-          <a:noFill/>
-          <a:ln w="76200">
-            <a:solidFill>
-              <a:schemeClr val="tx1"/>
-            </a:solidFill>
-          </a:ln>
-        </p:spPr>
-        <p:style>
-          <a:lnRef idx="2">
-            <a:schemeClr val="accent1">
-              <a:shade val="50000"/>
-            </a:schemeClr>
-          </a:lnRef>
-          <a:fillRef idx="1">
-            <a:schemeClr val="accent1"/>
-          </a:fillRef>
-          <a:effectRef idx="0">
-            <a:schemeClr val="accent1"/>
-          </a:effectRef>
-          <a:fontRef idx="minor">
-            <a:schemeClr val="lt1"/>
-          </a:fontRef>
-        </p:style>
-        <p:txBody>
-          <a:bodyPr vert="vert270" rtlCol="0" anchor="ctr"/>
-          <a:lstStyle/>
-          <a:p>
-            <a:pPr algn="ctr"/>
-            <a:r>
-              <a:rPr lang="en-US" sz="8000" b="1" dirty="0" err="1">
-                <a:solidFill>
-                  <a:schemeClr val="tx1"/>
-                </a:solidFill>
-                <a:latin typeface="Microsoft JhengHei UI" panose="020B0604030504040204" pitchFamily="34" charset="-120"/>
-                <a:ea typeface="Microsoft JhengHei UI" panose="020B0604030504040204" pitchFamily="34" charset="-120"/>
-              </a:rPr>
-              <a:t>Positive_ALT</a:t>
-            </a:r>
-            <a:endParaRPr lang="en-US" sz="8000" b="1" dirty="0">
-              <a:solidFill>
-                <a:schemeClr val="tx1"/>
-              </a:solidFill>
-              <a:latin typeface="Microsoft JhengHei UI" panose="020B0604030504040204" pitchFamily="34" charset="-120"/>
-              <a:ea typeface="Microsoft JhengHei UI" panose="020B0604030504040204" pitchFamily="34" charset="-120"/>
-            </a:endParaRPr>
-          </a:p>
-        </p:txBody>
-      </p:sp>
-      <p:sp>
-        <p:nvSpPr>
-          <p:cNvPr id="36" name="Rectangle 35">
-            <a:extLst>
-              <a:ext uri="{FF2B5EF4-FFF2-40B4-BE49-F238E27FC236}">
-                <a16:creationId xmlns:a16="http://schemas.microsoft.com/office/drawing/2014/main" id="{9DAA63A5-7147-10E6-2857-9BF113CAE818}"/>
-              </a:ext>
-            </a:extLst>
-          </p:cNvPr>
-          <p:cNvSpPr/>
-          <p:nvPr/>
-        </p:nvSpPr>
-        <p:spPr>
-          <a:xfrm>
-            <a:off x="29433788" y="2336832"/>
-            <a:ext cx="1088130" cy="22286875"/>
+            <a:off x="12171174" y="20335524"/>
+            <a:ext cx="21876779" cy="1973740"/>
           </a:xfrm>
           <a:prstGeom prst="rect">
             <a:avLst/>
@@ -4156,16 +3525,16 @@
           <a:lstStyle/>
           <a:p>
             <a:pPr algn="ctr"/>
-            <a:endParaRPr lang="en-US"/>
-          </a:p>
-        </p:txBody>
-      </p:sp>
-      <p:sp>
-        <p:nvSpPr>
-          <p:cNvPr id="39" name="TextBox 38">
+            <a:endParaRPr lang="en-US" dirty="0"/>
+          </a:p>
+        </p:txBody>
+      </p:sp>
+      <p:sp>
+        <p:nvSpPr>
+          <p:cNvPr id="7" name="TextBox 6">
             <a:extLst>
               <a:ext uri="{FF2B5EF4-FFF2-40B4-BE49-F238E27FC236}">
-                <a16:creationId xmlns:a16="http://schemas.microsoft.com/office/drawing/2014/main" id="{B2DC4E14-77E3-B96D-55E4-4243A55C5DC6}"/>
+                <a16:creationId xmlns:a16="http://schemas.microsoft.com/office/drawing/2014/main" id="{28FC68F2-43AB-E482-0CD3-B081D929F28E}"/>
               </a:ext>
             </a:extLst>
           </p:cNvPr>
@@ -4173,122 +3542,8 @@
           <p:nvPr/>
         </p:nvSpPr>
         <p:spPr>
-          <a:xfrm rot="16200000">
-            <a:off x="28215279" y="4293683"/>
-            <a:ext cx="3395481" cy="1200329"/>
-          </a:xfrm>
-          <a:prstGeom prst="rect">
-            <a:avLst/>
-          </a:prstGeom>
-          <a:noFill/>
-        </p:spPr>
-        <p:txBody>
-          <a:bodyPr wrap="none" rtlCol="0">
-            <a:spAutoFit/>
-          </a:bodyPr>
-          <a:lstStyle/>
-          <a:p>
-            <a:r>
-              <a:rPr lang="en-US" sz="7200" b="1" dirty="0">
-                <a:latin typeface="Microsoft JhengHei UI" panose="020B0604030504040204" pitchFamily="34" charset="-120"/>
-                <a:ea typeface="Microsoft JhengHei UI" panose="020B0604030504040204" pitchFamily="34" charset="-120"/>
-              </a:rPr>
-              <a:t>SPLAM</a:t>
-            </a:r>
-          </a:p>
-        </p:txBody>
-      </p:sp>
-      <p:sp>
-        <p:nvSpPr>
-          <p:cNvPr id="40" name="TextBox 39">
-            <a:extLst>
-              <a:ext uri="{FF2B5EF4-FFF2-40B4-BE49-F238E27FC236}">
-                <a16:creationId xmlns:a16="http://schemas.microsoft.com/office/drawing/2014/main" id="{78860C94-6AA4-AABC-4F3B-3FE05601A47D}"/>
-              </a:ext>
-            </a:extLst>
-          </p:cNvPr>
-          <p:cNvSpPr txBox="1"/>
-          <p:nvPr/>
-        </p:nvSpPr>
-        <p:spPr>
-          <a:xfrm rot="16200000">
-            <a:off x="27017036" y="12372061"/>
-            <a:ext cx="5791970" cy="1200329"/>
-          </a:xfrm>
-          <a:prstGeom prst="rect">
-            <a:avLst/>
-          </a:prstGeom>
-          <a:noFill/>
-        </p:spPr>
-        <p:txBody>
-          <a:bodyPr wrap="none" rtlCol="0">
-            <a:spAutoFit/>
-          </a:bodyPr>
-          <a:lstStyle/>
-          <a:p>
-            <a:r>
-              <a:rPr lang="en-US" sz="7200" b="1" dirty="0">
-                <a:latin typeface="Microsoft JhengHei UI" panose="020B0604030504040204" pitchFamily="34" charset="-120"/>
-                <a:ea typeface="Microsoft JhengHei UI" panose="020B0604030504040204" pitchFamily="34" charset="-120"/>
-              </a:rPr>
-              <a:t>SpliceAI-10k</a:t>
-            </a:r>
-          </a:p>
-        </p:txBody>
-      </p:sp>
-      <p:sp>
-        <p:nvSpPr>
-          <p:cNvPr id="41" name="TextBox 40">
-            <a:extLst>
-              <a:ext uri="{FF2B5EF4-FFF2-40B4-BE49-F238E27FC236}">
-                <a16:creationId xmlns:a16="http://schemas.microsoft.com/office/drawing/2014/main" id="{CB3333E4-A36A-F2A7-9463-8073D25984C0}"/>
-              </a:ext>
-            </a:extLst>
-          </p:cNvPr>
-          <p:cNvSpPr txBox="1"/>
-          <p:nvPr/>
-        </p:nvSpPr>
-        <p:spPr>
-          <a:xfrm rot="16200000">
-            <a:off x="26252562" y="20295787"/>
-            <a:ext cx="7320915" cy="1200329"/>
-          </a:xfrm>
-          <a:prstGeom prst="rect">
-            <a:avLst/>
-          </a:prstGeom>
-          <a:noFill/>
-        </p:spPr>
-        <p:txBody>
-          <a:bodyPr wrap="none" rtlCol="0">
-            <a:spAutoFit/>
-          </a:bodyPr>
-          <a:lstStyle/>
-          <a:p>
-            <a:r>
-              <a:rPr lang="en-US" sz="7200" b="1" dirty="0">
-                <a:latin typeface="Microsoft JhengHei UI" panose="020B0604030504040204" pitchFamily="34" charset="-120"/>
-                <a:ea typeface="Microsoft JhengHei UI" panose="020B0604030504040204" pitchFamily="34" charset="-120"/>
-              </a:rPr>
-              <a:t>SpliceAI-10k-Ns</a:t>
-            </a:r>
-          </a:p>
-        </p:txBody>
-      </p:sp>
-      <p:sp>
-        <p:nvSpPr>
-          <p:cNvPr id="44" name="TextBox 43">
-            <a:extLst>
-              <a:ext uri="{FF2B5EF4-FFF2-40B4-BE49-F238E27FC236}">
-                <a16:creationId xmlns:a16="http://schemas.microsoft.com/office/drawing/2014/main" id="{34945A3A-59A1-F0E7-9EA1-2DA18D2FCDE2}"/>
-              </a:ext>
-            </a:extLst>
-          </p:cNvPr>
-          <p:cNvSpPr txBox="1"/>
-          <p:nvPr/>
-        </p:nvSpPr>
-        <p:spPr>
           <a:xfrm>
-            <a:off x="25607519" y="24623707"/>
+            <a:off x="562238" y="21070434"/>
             <a:ext cx="1010213" cy="1938992"/>
           </a:xfrm>
           <a:prstGeom prst="rect">
@@ -4304,17 +3559,17 @@
           <a:p>
             <a:r>
               <a:rPr lang="en-US" sz="12000" b="1" dirty="0"/>
-              <a:t>d</a:t>
-            </a:r>
-          </a:p>
-        </p:txBody>
-      </p:sp>
-      <p:sp>
-        <p:nvSpPr>
-          <p:cNvPr id="45" name="TextBox 44">
+              <a:t>b</a:t>
+            </a:r>
+          </a:p>
+        </p:txBody>
+      </p:sp>
+      <p:sp>
+        <p:nvSpPr>
+          <p:cNvPr id="4" name="TextBox 3">
             <a:extLst>
               <a:ext uri="{FF2B5EF4-FFF2-40B4-BE49-F238E27FC236}">
-                <a16:creationId xmlns:a16="http://schemas.microsoft.com/office/drawing/2014/main" id="{05F90CF2-AFD5-BDB8-6883-061DEE7C91BD}"/>
+                <a16:creationId xmlns:a16="http://schemas.microsoft.com/office/drawing/2014/main" id="{28344DE9-373E-92FB-9886-5D9EA37EB022}"/>
               </a:ext>
             </a:extLst>
           </p:cNvPr>
@@ -4323,8 +3578,8 @@
         </p:nvSpPr>
         <p:spPr>
           <a:xfrm>
-            <a:off x="3457354" y="439066"/>
-            <a:ext cx="1140056" cy="1107996"/>
+            <a:off x="1796679" y="11282922"/>
+            <a:ext cx="1226618" cy="1200329"/>
           </a:xfrm>
           <a:prstGeom prst="rect">
             <a:avLst/>
@@ -4338,18 +3593,182 @@
           <a:lstStyle/>
           <a:p>
             <a:r>
-              <a:rPr lang="en-US" sz="6600" b="1" dirty="0"/>
-              <a:t>(1)</a:t>
-            </a:r>
-          </a:p>
-        </p:txBody>
-      </p:sp>
-      <p:sp>
-        <p:nvSpPr>
-          <p:cNvPr id="50" name="TextBox 49">
+              <a:rPr lang="en-US" sz="7200" b="1" dirty="0"/>
+              <a:t>(2)</a:t>
+            </a:r>
+          </a:p>
+        </p:txBody>
+      </p:sp>
+      <p:sp>
+        <p:nvSpPr>
+          <p:cNvPr id="8" name="Rectangle 7">
             <a:extLst>
               <a:ext uri="{FF2B5EF4-FFF2-40B4-BE49-F238E27FC236}">
-                <a16:creationId xmlns:a16="http://schemas.microsoft.com/office/drawing/2014/main" id="{CC1B7E18-C163-9922-1AF9-071A4C82EC61}"/>
+                <a16:creationId xmlns:a16="http://schemas.microsoft.com/office/drawing/2014/main" id="{FEF673A0-95D9-B8C7-222A-2687211BAA55}"/>
+              </a:ext>
+            </a:extLst>
+          </p:cNvPr>
+          <p:cNvSpPr/>
+          <p:nvPr/>
+        </p:nvSpPr>
+        <p:spPr>
+          <a:xfrm>
+            <a:off x="13499410" y="11628942"/>
+            <a:ext cx="21876779" cy="1973740"/>
+          </a:xfrm>
+          <a:prstGeom prst="rect">
+            <a:avLst/>
+          </a:prstGeom>
+          <a:solidFill>
+            <a:schemeClr val="bg1"/>
+          </a:solidFill>
+          <a:ln>
+            <a:noFill/>
+          </a:ln>
+        </p:spPr>
+        <p:style>
+          <a:lnRef idx="2">
+            <a:schemeClr val="accent1">
+              <a:shade val="50000"/>
+            </a:schemeClr>
+          </a:lnRef>
+          <a:fillRef idx="1">
+            <a:schemeClr val="accent1"/>
+          </a:fillRef>
+          <a:effectRef idx="0">
+            <a:schemeClr val="accent1"/>
+          </a:effectRef>
+          <a:fontRef idx="minor">
+            <a:schemeClr val="lt1"/>
+          </a:fontRef>
+        </p:style>
+        <p:txBody>
+          <a:bodyPr rtlCol="0" anchor="ctr"/>
+          <a:lstStyle/>
+          <a:p>
+            <a:pPr algn="ctr"/>
+            <a:endParaRPr lang="en-US" dirty="0"/>
+          </a:p>
+        </p:txBody>
+      </p:sp>
+      <p:sp>
+        <p:nvSpPr>
+          <p:cNvPr id="9" name="Rectangle 8">
+            <a:extLst>
+              <a:ext uri="{FF2B5EF4-FFF2-40B4-BE49-F238E27FC236}">
+                <a16:creationId xmlns:a16="http://schemas.microsoft.com/office/drawing/2014/main" id="{963DC399-2BFD-8413-D2FC-7A5FBBBBF421}"/>
+              </a:ext>
+            </a:extLst>
+          </p:cNvPr>
+          <p:cNvSpPr/>
+          <p:nvPr/>
+        </p:nvSpPr>
+        <p:spPr>
+          <a:xfrm>
+            <a:off x="12610432" y="1378081"/>
+            <a:ext cx="21876779" cy="1973740"/>
+          </a:xfrm>
+          <a:prstGeom prst="rect">
+            <a:avLst/>
+          </a:prstGeom>
+          <a:solidFill>
+            <a:schemeClr val="bg1"/>
+          </a:solidFill>
+          <a:ln>
+            <a:noFill/>
+          </a:ln>
+        </p:spPr>
+        <p:style>
+          <a:lnRef idx="2">
+            <a:schemeClr val="accent1">
+              <a:shade val="50000"/>
+            </a:schemeClr>
+          </a:lnRef>
+          <a:fillRef idx="1">
+            <a:schemeClr val="accent1"/>
+          </a:fillRef>
+          <a:effectRef idx="0">
+            <a:schemeClr val="accent1"/>
+          </a:effectRef>
+          <a:fontRef idx="minor">
+            <a:schemeClr val="lt1"/>
+          </a:fontRef>
+        </p:style>
+        <p:txBody>
+          <a:bodyPr rtlCol="0" anchor="ctr"/>
+          <a:lstStyle/>
+          <a:p>
+            <a:pPr algn="ctr"/>
+            <a:endParaRPr lang="en-US" dirty="0"/>
+          </a:p>
+        </p:txBody>
+      </p:sp>
+      <p:pic>
+        <p:nvPicPr>
+          <p:cNvPr id="11" name="Picture 10" descr="Chart, line chart&#10;&#10;Description automatically generated">
+            <a:extLst>
+              <a:ext uri="{FF2B5EF4-FFF2-40B4-BE49-F238E27FC236}">
+                <a16:creationId xmlns:a16="http://schemas.microsoft.com/office/drawing/2014/main" id="{15BD559B-D108-D7F0-7A86-EED5E46A8FBC}"/>
+              </a:ext>
+            </a:extLst>
+          </p:cNvPr>
+          <p:cNvPicPr>
+            <a:picLocks noChangeAspect="1"/>
+          </p:cNvPicPr>
+          <p:nvPr/>
+        </p:nvPicPr>
+        <p:blipFill>
+          <a:blip r:embed="rId4"/>
+          <a:stretch>
+            <a:fillRect/>
+          </a:stretch>
+        </p:blipFill>
+        <p:spPr>
+          <a:xfrm>
+            <a:off x="1538258" y="21915236"/>
+            <a:ext cx="34048848" cy="8512212"/>
+          </a:xfrm>
+          <a:prstGeom prst="rect">
+            <a:avLst/>
+          </a:prstGeom>
+        </p:spPr>
+      </p:pic>
+      <p:pic>
+        <p:nvPicPr>
+          <p:cNvPr id="16" name="Picture 15" descr="A picture containing diagram, plot, line, screenshot&#10;&#10;Description automatically generated">
+            <a:extLst>
+              <a:ext uri="{FF2B5EF4-FFF2-40B4-BE49-F238E27FC236}">
+                <a16:creationId xmlns:a16="http://schemas.microsoft.com/office/drawing/2014/main" id="{F9A78454-00EF-D74F-3913-32ABABE94E32}"/>
+              </a:ext>
+            </a:extLst>
+          </p:cNvPr>
+          <p:cNvPicPr>
+            <a:picLocks noChangeAspect="1"/>
+          </p:cNvPicPr>
+          <p:nvPr/>
+        </p:nvPicPr>
+        <p:blipFill>
+          <a:blip r:embed="rId5"/>
+          <a:stretch>
+            <a:fillRect/>
+          </a:stretch>
+        </p:blipFill>
+        <p:spPr>
+          <a:xfrm>
+            <a:off x="1887471" y="578336"/>
+            <a:ext cx="33165361" cy="11754811"/>
+          </a:xfrm>
+          <a:prstGeom prst="rect">
+            <a:avLst/>
+          </a:prstGeom>
+        </p:spPr>
+      </p:pic>
+      <p:sp>
+        <p:nvSpPr>
+          <p:cNvPr id="17" name="TextBox 16">
+            <a:extLst>
+              <a:ext uri="{FF2B5EF4-FFF2-40B4-BE49-F238E27FC236}">
+                <a16:creationId xmlns:a16="http://schemas.microsoft.com/office/drawing/2014/main" id="{4588B505-2FF7-713B-8F94-BB3227A01FF8}"/>
               </a:ext>
             </a:extLst>
           </p:cNvPr>
@@ -4358,8 +3777,8 @@
         </p:nvSpPr>
         <p:spPr>
           <a:xfrm>
-            <a:off x="15649239" y="435648"/>
-            <a:ext cx="1140056" cy="1107996"/>
+            <a:off x="1796679" y="861001"/>
+            <a:ext cx="1226618" cy="1200329"/>
           </a:xfrm>
           <a:prstGeom prst="rect">
             <a:avLst/>
@@ -4373,78 +3792,8 @@
           <a:lstStyle/>
           <a:p>
             <a:r>
-              <a:rPr lang="en-US" sz="6600" b="1" dirty="0"/>
-              <a:t>(2)</a:t>
-            </a:r>
-          </a:p>
-        </p:txBody>
-      </p:sp>
-      <p:sp>
-        <p:nvSpPr>
-          <p:cNvPr id="52" name="TextBox 51">
-            <a:extLst>
-              <a:ext uri="{FF2B5EF4-FFF2-40B4-BE49-F238E27FC236}">
-                <a16:creationId xmlns:a16="http://schemas.microsoft.com/office/drawing/2014/main" id="{27C0A85E-4A67-46D2-0DEE-4C72585638A9}"/>
-              </a:ext>
-            </a:extLst>
-          </p:cNvPr>
-          <p:cNvSpPr txBox="1"/>
-          <p:nvPr/>
-        </p:nvSpPr>
-        <p:spPr>
-          <a:xfrm>
-            <a:off x="3478159" y="12513374"/>
-            <a:ext cx="1140056" cy="1107996"/>
-          </a:xfrm>
-          <a:prstGeom prst="rect">
-            <a:avLst/>
-          </a:prstGeom>
-          <a:noFill/>
-        </p:spPr>
-        <p:txBody>
-          <a:bodyPr wrap="none" rtlCol="0">
-            <a:spAutoFit/>
-          </a:bodyPr>
-          <a:lstStyle/>
-          <a:p>
-            <a:r>
-              <a:rPr lang="en-US" sz="6600" b="1" dirty="0"/>
-              <a:t>(3)</a:t>
-            </a:r>
-          </a:p>
-        </p:txBody>
-      </p:sp>
-      <p:sp>
-        <p:nvSpPr>
-          <p:cNvPr id="53" name="TextBox 52">
-            <a:extLst>
-              <a:ext uri="{FF2B5EF4-FFF2-40B4-BE49-F238E27FC236}">
-                <a16:creationId xmlns:a16="http://schemas.microsoft.com/office/drawing/2014/main" id="{97FB5A4B-A6F0-5EB1-3806-A87C8D8B708B}"/>
-              </a:ext>
-            </a:extLst>
-          </p:cNvPr>
-          <p:cNvSpPr txBox="1"/>
-          <p:nvPr/>
-        </p:nvSpPr>
-        <p:spPr>
-          <a:xfrm>
-            <a:off x="15670044" y="12509956"/>
-            <a:ext cx="1140056" cy="1107996"/>
-          </a:xfrm>
-          <a:prstGeom prst="rect">
-            <a:avLst/>
-          </a:prstGeom>
-          <a:noFill/>
-        </p:spPr>
-        <p:txBody>
-          <a:bodyPr wrap="none" rtlCol="0">
-            <a:spAutoFit/>
-          </a:bodyPr>
-          <a:lstStyle/>
-          <a:p>
-            <a:r>
-              <a:rPr lang="en-US" sz="6600" b="1" dirty="0"/>
-              <a:t>(4)</a:t>
+              <a:rPr lang="en-US" sz="7200" b="1" dirty="0"/>
+              <a:t>(1)</a:t>
             </a:r>
           </a:p>
         </p:txBody>

--- a/Figures/Figure_3/Figure_3.pptx
+++ b/Figures/Figure_3/Figure_3.pptx
@@ -197,7 +197,7 @@
           <a:p>
             <a:fld id="{ABD72DE5-B6EE-E147-A976-7400C289695F}" type="datetimeFigureOut">
               <a:rPr lang="en-US" smtClean="0"/>
-              <a:t>5/7/23</a:t>
+              <a:t>5/19/23</a:t>
             </a:fld>
             <a:endParaRPr lang="en-US"/>
           </a:p>
@@ -684,7 +684,7 @@
           <a:p>
             <a:fld id="{5829EFD3-DAAF-1A4D-98F0-A61E9156FD54}" type="datetimeFigureOut">
               <a:rPr lang="en-US" smtClean="0"/>
-              <a:t>5/7/23</a:t>
+              <a:t>5/19/23</a:t>
             </a:fld>
             <a:endParaRPr lang="en-US"/>
           </a:p>
@@ -854,7 +854,7 @@
           <a:p>
             <a:fld id="{5829EFD3-DAAF-1A4D-98F0-A61E9156FD54}" type="datetimeFigureOut">
               <a:rPr lang="en-US" smtClean="0"/>
-              <a:t>5/7/23</a:t>
+              <a:t>5/19/23</a:t>
             </a:fld>
             <a:endParaRPr lang="en-US"/>
           </a:p>
@@ -1034,7 +1034,7 @@
           <a:p>
             <a:fld id="{5829EFD3-DAAF-1A4D-98F0-A61E9156FD54}" type="datetimeFigureOut">
               <a:rPr lang="en-US" smtClean="0"/>
-              <a:t>5/7/23</a:t>
+              <a:t>5/19/23</a:t>
             </a:fld>
             <a:endParaRPr lang="en-US"/>
           </a:p>
@@ -1204,7 +1204,7 @@
           <a:p>
             <a:fld id="{5829EFD3-DAAF-1A4D-98F0-A61E9156FD54}" type="datetimeFigureOut">
               <a:rPr lang="en-US" smtClean="0"/>
-              <a:t>5/7/23</a:t>
+              <a:t>5/19/23</a:t>
             </a:fld>
             <a:endParaRPr lang="en-US"/>
           </a:p>
@@ -1448,7 +1448,7 @@
           <a:p>
             <a:fld id="{5829EFD3-DAAF-1A4D-98F0-A61E9156FD54}" type="datetimeFigureOut">
               <a:rPr lang="en-US" smtClean="0"/>
-              <a:t>5/7/23</a:t>
+              <a:t>5/19/23</a:t>
             </a:fld>
             <a:endParaRPr lang="en-US"/>
           </a:p>
@@ -1680,7 +1680,7 @@
           <a:p>
             <a:fld id="{5829EFD3-DAAF-1A4D-98F0-A61E9156FD54}" type="datetimeFigureOut">
               <a:rPr lang="en-US" smtClean="0"/>
-              <a:t>5/7/23</a:t>
+              <a:t>5/19/23</a:t>
             </a:fld>
             <a:endParaRPr lang="en-US"/>
           </a:p>
@@ -2047,7 +2047,7 @@
           <a:p>
             <a:fld id="{5829EFD3-DAAF-1A4D-98F0-A61E9156FD54}" type="datetimeFigureOut">
               <a:rPr lang="en-US" smtClean="0"/>
-              <a:t>5/7/23</a:t>
+              <a:t>5/19/23</a:t>
             </a:fld>
             <a:endParaRPr lang="en-US"/>
           </a:p>
@@ -2165,7 +2165,7 @@
           <a:p>
             <a:fld id="{5829EFD3-DAAF-1A4D-98F0-A61E9156FD54}" type="datetimeFigureOut">
               <a:rPr lang="en-US" smtClean="0"/>
-              <a:t>5/7/23</a:t>
+              <a:t>5/19/23</a:t>
             </a:fld>
             <a:endParaRPr lang="en-US"/>
           </a:p>
@@ -2260,7 +2260,7 @@
           <a:p>
             <a:fld id="{5829EFD3-DAAF-1A4D-98F0-A61E9156FD54}" type="datetimeFigureOut">
               <a:rPr lang="en-US" smtClean="0"/>
-              <a:t>5/7/23</a:t>
+              <a:t>5/19/23</a:t>
             </a:fld>
             <a:endParaRPr lang="en-US"/>
           </a:p>
@@ -2537,7 +2537,7 @@
           <a:p>
             <a:fld id="{5829EFD3-DAAF-1A4D-98F0-A61E9156FD54}" type="datetimeFigureOut">
               <a:rPr lang="en-US" smtClean="0"/>
-              <a:t>5/7/23</a:t>
+              <a:t>5/19/23</a:t>
             </a:fld>
             <a:endParaRPr lang="en-US"/>
           </a:p>
@@ -2794,7 +2794,7 @@
           <a:p>
             <a:fld id="{5829EFD3-DAAF-1A4D-98F0-A61E9156FD54}" type="datetimeFigureOut">
               <a:rPr lang="en-US" smtClean="0"/>
-              <a:t>5/7/23</a:t>
+              <a:t>5/19/23</a:t>
             </a:fld>
             <a:endParaRPr lang="en-US"/>
           </a:p>
@@ -3007,7 +3007,7 @@
           <a:p>
             <a:fld id="{5829EFD3-DAAF-1A4D-98F0-A61E9156FD54}" type="datetimeFigureOut">
               <a:rPr lang="en-US" smtClean="0"/>
-              <a:t>5/7/23</a:t>
+              <a:t>5/19/23</a:t>
             </a:fld>
             <a:endParaRPr lang="en-US"/>
           </a:p>
@@ -3414,10 +3414,10 @@
       </p:grpSpPr>
       <p:pic>
         <p:nvPicPr>
-          <p:cNvPr id="14" name="Picture 13" descr="A picture containing text, diagram, line, plot&#10;&#10;Description automatically generated">
+          <p:cNvPr id="12" name="Picture 11" descr="A picture containing text, diagram, line, plot&#10;&#10;Description automatically generated">
             <a:extLst>
               <a:ext uri="{FF2B5EF4-FFF2-40B4-BE49-F238E27FC236}">
-                <a16:creationId xmlns:a16="http://schemas.microsoft.com/office/drawing/2014/main" id="{2E33F60A-9988-F3C7-AB37-8ABC19065D4C}"/>
+                <a16:creationId xmlns:a16="http://schemas.microsoft.com/office/drawing/2014/main" id="{D4CF9EA9-FAA3-DD5F-C2E2-3386B140CB46}"/>
               </a:ext>
             </a:extLst>
           </p:cNvPr>
@@ -3434,8 +3434,8 @@
         </p:blipFill>
         <p:spPr>
           <a:xfrm>
-            <a:off x="1887470" y="10939114"/>
-            <a:ext cx="33165361" cy="11754811"/>
+            <a:off x="1506727" y="11986136"/>
+            <a:ext cx="33462598" cy="11754810"/>
           </a:xfrm>
           <a:prstGeom prst="rect">
             <a:avLst/>
@@ -3491,7 +3491,7 @@
         </p:nvSpPr>
         <p:spPr>
           <a:xfrm>
-            <a:off x="12171174" y="20335524"/>
+            <a:off x="12610431" y="21553748"/>
             <a:ext cx="21876779" cy="1973740"/>
           </a:xfrm>
           <a:prstGeom prst="rect">
@@ -3543,7 +3543,7 @@
         </p:nvSpPr>
         <p:spPr>
           <a:xfrm>
-            <a:off x="562238" y="21070434"/>
+            <a:off x="562238" y="21655650"/>
             <a:ext cx="1010213" cy="1938992"/>
           </a:xfrm>
           <a:prstGeom prst="rect">
@@ -3560,41 +3560,6 @@
             <a:r>
               <a:rPr lang="en-US" sz="12000" b="1" dirty="0"/>
               <a:t>b</a:t>
-            </a:r>
-          </a:p>
-        </p:txBody>
-      </p:sp>
-      <p:sp>
-        <p:nvSpPr>
-          <p:cNvPr id="4" name="TextBox 3">
-            <a:extLst>
-              <a:ext uri="{FF2B5EF4-FFF2-40B4-BE49-F238E27FC236}">
-                <a16:creationId xmlns:a16="http://schemas.microsoft.com/office/drawing/2014/main" id="{28344DE9-373E-92FB-9886-5D9EA37EB022}"/>
-              </a:ext>
-            </a:extLst>
-          </p:cNvPr>
-          <p:cNvSpPr txBox="1"/>
-          <p:nvPr/>
-        </p:nvSpPr>
-        <p:spPr>
-          <a:xfrm>
-            <a:off x="1796679" y="11282922"/>
-            <a:ext cx="1226618" cy="1200329"/>
-          </a:xfrm>
-          <a:prstGeom prst="rect">
-            <a:avLst/>
-          </a:prstGeom>
-          <a:noFill/>
-        </p:spPr>
-        <p:txBody>
-          <a:bodyPr wrap="none" rtlCol="0">
-            <a:spAutoFit/>
-          </a:bodyPr>
-          <a:lstStyle/>
-          <a:p>
-            <a:r>
-              <a:rPr lang="en-US" sz="7200" b="1" dirty="0"/>
-              <a:t>(2)</a:t>
             </a:r>
           </a:p>
         </p:txBody>
@@ -3705,10 +3670,10 @@
       </p:sp>
       <p:pic>
         <p:nvPicPr>
-          <p:cNvPr id="11" name="Picture 10" descr="Chart, line chart&#10;&#10;Description automatically generated">
+          <p:cNvPr id="6" name="Picture 5" descr="A picture containing text, diagram, line, plot&#10;&#10;Description automatically generated">
             <a:extLst>
               <a:ext uri="{FF2B5EF4-FFF2-40B4-BE49-F238E27FC236}">
-                <a16:creationId xmlns:a16="http://schemas.microsoft.com/office/drawing/2014/main" id="{15BD559B-D108-D7F0-7A86-EED5E46A8FBC}"/>
+                <a16:creationId xmlns:a16="http://schemas.microsoft.com/office/drawing/2014/main" id="{6ED1D1B1-CBA0-A7A3-695A-F6FEE2AEC394}"/>
               </a:ext>
             </a:extLst>
           </p:cNvPr>
@@ -3717,28 +3682,97 @@
           </p:cNvPicPr>
           <p:nvPr/>
         </p:nvPicPr>
-        <p:blipFill>
+        <p:blipFill rotWithShape="1">
           <a:blip r:embed="rId4"/>
-          <a:stretch>
-            <a:fillRect/>
-          </a:stretch>
+          <a:srcRect b="4123"/>
+          <a:stretch/>
         </p:blipFill>
         <p:spPr>
           <a:xfrm>
-            <a:off x="1538258" y="21915236"/>
-            <a:ext cx="34048848" cy="8512212"/>
+            <a:off x="1595264" y="1213105"/>
+            <a:ext cx="33462598" cy="11270146"/>
           </a:xfrm>
           <a:prstGeom prst="rect">
             <a:avLst/>
           </a:prstGeom>
         </p:spPr>
       </p:pic>
+      <p:sp>
+        <p:nvSpPr>
+          <p:cNvPr id="18" name="TextBox 17">
+            <a:extLst>
+              <a:ext uri="{FF2B5EF4-FFF2-40B4-BE49-F238E27FC236}">
+                <a16:creationId xmlns:a16="http://schemas.microsoft.com/office/drawing/2014/main" id="{C953716C-598D-7A62-C8C5-8346DCD8AA17}"/>
+              </a:ext>
+            </a:extLst>
+          </p:cNvPr>
+          <p:cNvSpPr txBox="1"/>
+          <p:nvPr/>
+        </p:nvSpPr>
+        <p:spPr>
+          <a:xfrm>
+            <a:off x="1796679" y="861001"/>
+            <a:ext cx="1226618" cy="1200329"/>
+          </a:xfrm>
+          <a:prstGeom prst="rect">
+            <a:avLst/>
+          </a:prstGeom>
+          <a:noFill/>
+        </p:spPr>
+        <p:txBody>
+          <a:bodyPr wrap="none" rtlCol="0">
+            <a:spAutoFit/>
+          </a:bodyPr>
+          <a:lstStyle/>
+          <a:p>
+            <a:r>
+              <a:rPr lang="en-US" sz="7200" b="1" dirty="0"/>
+              <a:t>(1)</a:t>
+            </a:r>
+          </a:p>
+        </p:txBody>
+      </p:sp>
+      <p:sp>
+        <p:nvSpPr>
+          <p:cNvPr id="19" name="TextBox 18">
+            <a:extLst>
+              <a:ext uri="{FF2B5EF4-FFF2-40B4-BE49-F238E27FC236}">
+                <a16:creationId xmlns:a16="http://schemas.microsoft.com/office/drawing/2014/main" id="{7A132915-91D7-8A1E-55C9-168954670AB6}"/>
+              </a:ext>
+            </a:extLst>
+          </p:cNvPr>
+          <p:cNvSpPr txBox="1"/>
+          <p:nvPr/>
+        </p:nvSpPr>
+        <p:spPr>
+          <a:xfrm>
+            <a:off x="1796679" y="11282922"/>
+            <a:ext cx="1226618" cy="1200329"/>
+          </a:xfrm>
+          <a:prstGeom prst="rect">
+            <a:avLst/>
+          </a:prstGeom>
+          <a:noFill/>
+        </p:spPr>
+        <p:txBody>
+          <a:bodyPr wrap="none" rtlCol="0">
+            <a:spAutoFit/>
+          </a:bodyPr>
+          <a:lstStyle/>
+          <a:p>
+            <a:r>
+              <a:rPr lang="en-US" sz="7200" b="1" dirty="0"/>
+              <a:t>(2)</a:t>
+            </a:r>
+          </a:p>
+        </p:txBody>
+      </p:sp>
       <p:pic>
         <p:nvPicPr>
-          <p:cNvPr id="16" name="Picture 15" descr="A picture containing diagram, plot, line, screenshot&#10;&#10;Description automatically generated">
+          <p:cNvPr id="21" name="Picture 20" descr="A green line and orange line&#10;&#10;Description automatically generated with low confidence">
             <a:extLst>
               <a:ext uri="{FF2B5EF4-FFF2-40B4-BE49-F238E27FC236}">
-                <a16:creationId xmlns:a16="http://schemas.microsoft.com/office/drawing/2014/main" id="{F9A78454-00EF-D74F-3913-32ABABE94E32}"/>
+                <a16:creationId xmlns:a16="http://schemas.microsoft.com/office/drawing/2014/main" id="{3FC81E14-5140-3443-7F65-8179A1571C9E}"/>
               </a:ext>
             </a:extLst>
           </p:cNvPr>
@@ -3755,49 +3789,14 @@
         </p:blipFill>
         <p:spPr>
           <a:xfrm>
-            <a:off x="1887471" y="578336"/>
-            <a:ext cx="33165361" cy="11754811"/>
+            <a:off x="1796679" y="22823446"/>
+            <a:ext cx="33864921" cy="8466230"/>
           </a:xfrm>
           <a:prstGeom prst="rect">
             <a:avLst/>
           </a:prstGeom>
         </p:spPr>
       </p:pic>
-      <p:sp>
-        <p:nvSpPr>
-          <p:cNvPr id="17" name="TextBox 16">
-            <a:extLst>
-              <a:ext uri="{FF2B5EF4-FFF2-40B4-BE49-F238E27FC236}">
-                <a16:creationId xmlns:a16="http://schemas.microsoft.com/office/drawing/2014/main" id="{4588B505-2FF7-713B-8F94-BB3227A01FF8}"/>
-              </a:ext>
-            </a:extLst>
-          </p:cNvPr>
-          <p:cNvSpPr txBox="1"/>
-          <p:nvPr/>
-        </p:nvSpPr>
-        <p:spPr>
-          <a:xfrm>
-            <a:off x="1796679" y="861001"/>
-            <a:ext cx="1226618" cy="1200329"/>
-          </a:xfrm>
-          <a:prstGeom prst="rect">
-            <a:avLst/>
-          </a:prstGeom>
-          <a:noFill/>
-        </p:spPr>
-        <p:txBody>
-          <a:bodyPr wrap="none" rtlCol="0">
-            <a:spAutoFit/>
-          </a:bodyPr>
-          <a:lstStyle/>
-          <a:p>
-            <a:r>
-              <a:rPr lang="en-US" sz="7200" b="1" dirty="0"/>
-              <a:t>(1)</a:t>
-            </a:r>
-          </a:p>
-        </p:txBody>
-      </p:sp>
     </p:spTree>
     <p:extLst>
       <p:ext uri="{BB962C8B-B14F-4D97-AF65-F5344CB8AC3E}">

--- a/Figures/Figure_3/Figure_3.pptx
+++ b/Figures/Figure_3/Figure_3.pptx
@@ -197,7 +197,7 @@
           <a:p>
             <a:fld id="{ABD72DE5-B6EE-E147-A976-7400C289695F}" type="datetimeFigureOut">
               <a:rPr lang="en-US" smtClean="0"/>
-              <a:t>5/19/23</a:t>
+              <a:t>5/20/23</a:t>
             </a:fld>
             <a:endParaRPr lang="en-US"/>
           </a:p>
@@ -684,7 +684,7 @@
           <a:p>
             <a:fld id="{5829EFD3-DAAF-1A4D-98F0-A61E9156FD54}" type="datetimeFigureOut">
               <a:rPr lang="en-US" smtClean="0"/>
-              <a:t>5/19/23</a:t>
+              <a:t>5/20/23</a:t>
             </a:fld>
             <a:endParaRPr lang="en-US"/>
           </a:p>
@@ -854,7 +854,7 @@
           <a:p>
             <a:fld id="{5829EFD3-DAAF-1A4D-98F0-A61E9156FD54}" type="datetimeFigureOut">
               <a:rPr lang="en-US" smtClean="0"/>
-              <a:t>5/19/23</a:t>
+              <a:t>5/20/23</a:t>
             </a:fld>
             <a:endParaRPr lang="en-US"/>
           </a:p>
@@ -1034,7 +1034,7 @@
           <a:p>
             <a:fld id="{5829EFD3-DAAF-1A4D-98F0-A61E9156FD54}" type="datetimeFigureOut">
               <a:rPr lang="en-US" smtClean="0"/>
-              <a:t>5/19/23</a:t>
+              <a:t>5/20/23</a:t>
             </a:fld>
             <a:endParaRPr lang="en-US"/>
           </a:p>
@@ -1204,7 +1204,7 @@
           <a:p>
             <a:fld id="{5829EFD3-DAAF-1A4D-98F0-A61E9156FD54}" type="datetimeFigureOut">
               <a:rPr lang="en-US" smtClean="0"/>
-              <a:t>5/19/23</a:t>
+              <a:t>5/20/23</a:t>
             </a:fld>
             <a:endParaRPr lang="en-US"/>
           </a:p>
@@ -1448,7 +1448,7 @@
           <a:p>
             <a:fld id="{5829EFD3-DAAF-1A4D-98F0-A61E9156FD54}" type="datetimeFigureOut">
               <a:rPr lang="en-US" smtClean="0"/>
-              <a:t>5/19/23</a:t>
+              <a:t>5/20/23</a:t>
             </a:fld>
             <a:endParaRPr lang="en-US"/>
           </a:p>
@@ -1680,7 +1680,7 @@
           <a:p>
             <a:fld id="{5829EFD3-DAAF-1A4D-98F0-A61E9156FD54}" type="datetimeFigureOut">
               <a:rPr lang="en-US" smtClean="0"/>
-              <a:t>5/19/23</a:t>
+              <a:t>5/20/23</a:t>
             </a:fld>
             <a:endParaRPr lang="en-US"/>
           </a:p>
@@ -2047,7 +2047,7 @@
           <a:p>
             <a:fld id="{5829EFD3-DAAF-1A4D-98F0-A61E9156FD54}" type="datetimeFigureOut">
               <a:rPr lang="en-US" smtClean="0"/>
-              <a:t>5/19/23</a:t>
+              <a:t>5/20/23</a:t>
             </a:fld>
             <a:endParaRPr lang="en-US"/>
           </a:p>
@@ -2165,7 +2165,7 @@
           <a:p>
             <a:fld id="{5829EFD3-DAAF-1A4D-98F0-A61E9156FD54}" type="datetimeFigureOut">
               <a:rPr lang="en-US" smtClean="0"/>
-              <a:t>5/19/23</a:t>
+              <a:t>5/20/23</a:t>
             </a:fld>
             <a:endParaRPr lang="en-US"/>
           </a:p>
@@ -2260,7 +2260,7 @@
           <a:p>
             <a:fld id="{5829EFD3-DAAF-1A4D-98F0-A61E9156FD54}" type="datetimeFigureOut">
               <a:rPr lang="en-US" smtClean="0"/>
-              <a:t>5/19/23</a:t>
+              <a:t>5/20/23</a:t>
             </a:fld>
             <a:endParaRPr lang="en-US"/>
           </a:p>
@@ -2537,7 +2537,7 @@
           <a:p>
             <a:fld id="{5829EFD3-DAAF-1A4D-98F0-A61E9156FD54}" type="datetimeFigureOut">
               <a:rPr lang="en-US" smtClean="0"/>
-              <a:t>5/19/23</a:t>
+              <a:t>5/20/23</a:t>
             </a:fld>
             <a:endParaRPr lang="en-US"/>
           </a:p>
@@ -2794,7 +2794,7 @@
           <a:p>
             <a:fld id="{5829EFD3-DAAF-1A4D-98F0-A61E9156FD54}" type="datetimeFigureOut">
               <a:rPr lang="en-US" smtClean="0"/>
-              <a:t>5/19/23</a:t>
+              <a:t>5/20/23</a:t>
             </a:fld>
             <a:endParaRPr lang="en-US"/>
           </a:p>
@@ -3007,7 +3007,7 @@
           <a:p>
             <a:fld id="{5829EFD3-DAAF-1A4D-98F0-A61E9156FD54}" type="datetimeFigureOut">
               <a:rPr lang="en-US" smtClean="0"/>
-              <a:t>5/19/23</a:t>
+              <a:t>5/20/23</a:t>
             </a:fld>
             <a:endParaRPr lang="en-US"/>
           </a:p>
@@ -3531,41 +3531,6 @@
       </p:sp>
       <p:sp>
         <p:nvSpPr>
-          <p:cNvPr id="7" name="TextBox 6">
-            <a:extLst>
-              <a:ext uri="{FF2B5EF4-FFF2-40B4-BE49-F238E27FC236}">
-                <a16:creationId xmlns:a16="http://schemas.microsoft.com/office/drawing/2014/main" id="{28FC68F2-43AB-E482-0CD3-B081D929F28E}"/>
-              </a:ext>
-            </a:extLst>
-          </p:cNvPr>
-          <p:cNvSpPr txBox="1"/>
-          <p:nvPr/>
-        </p:nvSpPr>
-        <p:spPr>
-          <a:xfrm>
-            <a:off x="562238" y="21655650"/>
-            <a:ext cx="1010213" cy="1938992"/>
-          </a:xfrm>
-          <a:prstGeom prst="rect">
-            <a:avLst/>
-          </a:prstGeom>
-          <a:noFill/>
-        </p:spPr>
-        <p:txBody>
-          <a:bodyPr wrap="none" rtlCol="0">
-            <a:spAutoFit/>
-          </a:bodyPr>
-          <a:lstStyle/>
-          <a:p>
-            <a:r>
-              <a:rPr lang="en-US" sz="12000" b="1" dirty="0"/>
-              <a:t>b</a:t>
-            </a:r>
-          </a:p>
-        </p:txBody>
-      </p:sp>
-      <p:sp>
-        <p:nvSpPr>
           <p:cNvPr id="8" name="Rectangle 7">
             <a:extLst>
               <a:ext uri="{FF2B5EF4-FFF2-40B4-BE49-F238E27FC236}">
@@ -3769,10 +3734,10 @@
       </p:sp>
       <p:pic>
         <p:nvPicPr>
-          <p:cNvPr id="21" name="Picture 20" descr="A green line and orange line&#10;&#10;Description automatically generated with low confidence">
+          <p:cNvPr id="4" name="Picture 3" descr="A green line and orange line&#10;&#10;Description automatically generated with low confidence">
             <a:extLst>
               <a:ext uri="{FF2B5EF4-FFF2-40B4-BE49-F238E27FC236}">
-                <a16:creationId xmlns:a16="http://schemas.microsoft.com/office/drawing/2014/main" id="{3FC81E14-5140-3443-7F65-8179A1571C9E}"/>
+                <a16:creationId xmlns:a16="http://schemas.microsoft.com/office/drawing/2014/main" id="{85477CDF-9D64-9DE7-BF1D-13595DB0AC9D}"/>
               </a:ext>
             </a:extLst>
           </p:cNvPr>
@@ -3789,14 +3754,49 @@
         </p:blipFill>
         <p:spPr>
           <a:xfrm>
-            <a:off x="1796679" y="22823446"/>
-            <a:ext cx="33864921" cy="8466230"/>
+            <a:off x="1180933" y="22747864"/>
+            <a:ext cx="34469576" cy="8617394"/>
           </a:xfrm>
           <a:prstGeom prst="rect">
             <a:avLst/>
           </a:prstGeom>
         </p:spPr>
       </p:pic>
+      <p:sp>
+        <p:nvSpPr>
+          <p:cNvPr id="5" name="TextBox 4">
+            <a:extLst>
+              <a:ext uri="{FF2B5EF4-FFF2-40B4-BE49-F238E27FC236}">
+                <a16:creationId xmlns:a16="http://schemas.microsoft.com/office/drawing/2014/main" id="{D0B8B409-8374-2413-E8E2-581E7D98B809}"/>
+              </a:ext>
+            </a:extLst>
+          </p:cNvPr>
+          <p:cNvSpPr txBox="1"/>
+          <p:nvPr/>
+        </p:nvSpPr>
+        <p:spPr>
+          <a:xfrm>
+            <a:off x="562238" y="21655650"/>
+            <a:ext cx="1010213" cy="1938992"/>
+          </a:xfrm>
+          <a:prstGeom prst="rect">
+            <a:avLst/>
+          </a:prstGeom>
+          <a:noFill/>
+        </p:spPr>
+        <p:txBody>
+          <a:bodyPr wrap="none" rtlCol="0">
+            <a:spAutoFit/>
+          </a:bodyPr>
+          <a:lstStyle/>
+          <a:p>
+            <a:r>
+              <a:rPr lang="en-US" sz="12000" b="1" dirty="0"/>
+              <a:t>b</a:t>
+            </a:r>
+          </a:p>
+        </p:txBody>
+      </p:sp>
     </p:spTree>
     <p:extLst>
       <p:ext uri="{BB962C8B-B14F-4D97-AF65-F5344CB8AC3E}">

--- a/Figures/Figure_3/Figure_3.pptx
+++ b/Figures/Figure_3/Figure_3.pptx
@@ -197,7 +197,7 @@
           <a:p>
             <a:fld id="{ABD72DE5-B6EE-E147-A976-7400C289695F}" type="datetimeFigureOut">
               <a:rPr lang="en-US" smtClean="0"/>
-              <a:t>5/20/23</a:t>
+              <a:t>5/23/23</a:t>
             </a:fld>
             <a:endParaRPr lang="en-US"/>
           </a:p>
@@ -684,7 +684,7 @@
           <a:p>
             <a:fld id="{5829EFD3-DAAF-1A4D-98F0-A61E9156FD54}" type="datetimeFigureOut">
               <a:rPr lang="en-US" smtClean="0"/>
-              <a:t>5/20/23</a:t>
+              <a:t>5/23/23</a:t>
             </a:fld>
             <a:endParaRPr lang="en-US"/>
           </a:p>
@@ -854,7 +854,7 @@
           <a:p>
             <a:fld id="{5829EFD3-DAAF-1A4D-98F0-A61E9156FD54}" type="datetimeFigureOut">
               <a:rPr lang="en-US" smtClean="0"/>
-              <a:t>5/20/23</a:t>
+              <a:t>5/23/23</a:t>
             </a:fld>
             <a:endParaRPr lang="en-US"/>
           </a:p>
@@ -1034,7 +1034,7 @@
           <a:p>
             <a:fld id="{5829EFD3-DAAF-1A4D-98F0-A61E9156FD54}" type="datetimeFigureOut">
               <a:rPr lang="en-US" smtClean="0"/>
-              <a:t>5/20/23</a:t>
+              <a:t>5/23/23</a:t>
             </a:fld>
             <a:endParaRPr lang="en-US"/>
           </a:p>
@@ -1204,7 +1204,7 @@
           <a:p>
             <a:fld id="{5829EFD3-DAAF-1A4D-98F0-A61E9156FD54}" type="datetimeFigureOut">
               <a:rPr lang="en-US" smtClean="0"/>
-              <a:t>5/20/23</a:t>
+              <a:t>5/23/23</a:t>
             </a:fld>
             <a:endParaRPr lang="en-US"/>
           </a:p>
@@ -1448,7 +1448,7 @@
           <a:p>
             <a:fld id="{5829EFD3-DAAF-1A4D-98F0-A61E9156FD54}" type="datetimeFigureOut">
               <a:rPr lang="en-US" smtClean="0"/>
-              <a:t>5/20/23</a:t>
+              <a:t>5/23/23</a:t>
             </a:fld>
             <a:endParaRPr lang="en-US"/>
           </a:p>
@@ -1680,7 +1680,7 @@
           <a:p>
             <a:fld id="{5829EFD3-DAAF-1A4D-98F0-A61E9156FD54}" type="datetimeFigureOut">
               <a:rPr lang="en-US" smtClean="0"/>
-              <a:t>5/20/23</a:t>
+              <a:t>5/23/23</a:t>
             </a:fld>
             <a:endParaRPr lang="en-US"/>
           </a:p>
@@ -2047,7 +2047,7 @@
           <a:p>
             <a:fld id="{5829EFD3-DAAF-1A4D-98F0-A61E9156FD54}" type="datetimeFigureOut">
               <a:rPr lang="en-US" smtClean="0"/>
-              <a:t>5/20/23</a:t>
+              <a:t>5/23/23</a:t>
             </a:fld>
             <a:endParaRPr lang="en-US"/>
           </a:p>
@@ -2165,7 +2165,7 @@
           <a:p>
             <a:fld id="{5829EFD3-DAAF-1A4D-98F0-A61E9156FD54}" type="datetimeFigureOut">
               <a:rPr lang="en-US" smtClean="0"/>
-              <a:t>5/20/23</a:t>
+              <a:t>5/23/23</a:t>
             </a:fld>
             <a:endParaRPr lang="en-US"/>
           </a:p>
@@ -2260,7 +2260,7 @@
           <a:p>
             <a:fld id="{5829EFD3-DAAF-1A4D-98F0-A61E9156FD54}" type="datetimeFigureOut">
               <a:rPr lang="en-US" smtClean="0"/>
-              <a:t>5/20/23</a:t>
+              <a:t>5/23/23</a:t>
             </a:fld>
             <a:endParaRPr lang="en-US"/>
           </a:p>
@@ -2537,7 +2537,7 @@
           <a:p>
             <a:fld id="{5829EFD3-DAAF-1A4D-98F0-A61E9156FD54}" type="datetimeFigureOut">
               <a:rPr lang="en-US" smtClean="0"/>
-              <a:t>5/20/23</a:t>
+              <a:t>5/23/23</a:t>
             </a:fld>
             <a:endParaRPr lang="en-US"/>
           </a:p>
@@ -2794,7 +2794,7 @@
           <a:p>
             <a:fld id="{5829EFD3-DAAF-1A4D-98F0-A61E9156FD54}" type="datetimeFigureOut">
               <a:rPr lang="en-US" smtClean="0"/>
-              <a:t>5/20/23</a:t>
+              <a:t>5/23/23</a:t>
             </a:fld>
             <a:endParaRPr lang="en-US"/>
           </a:p>
@@ -3007,7 +3007,7 @@
           <a:p>
             <a:fld id="{5829EFD3-DAAF-1A4D-98F0-A61E9156FD54}" type="datetimeFigureOut">
               <a:rPr lang="en-US" smtClean="0"/>
-              <a:t>5/20/23</a:t>
+              <a:t>5/23/23</a:t>
             </a:fld>
             <a:endParaRPr lang="en-US"/>
           </a:p>
@@ -3414,10 +3414,10 @@
       </p:grpSpPr>
       <p:pic>
         <p:nvPicPr>
-          <p:cNvPr id="12" name="Picture 11" descr="A picture containing text, diagram, line, plot&#10;&#10;Description automatically generated">
+          <p:cNvPr id="17" name="Picture 16" descr="A picture containing text, diagram, line, plot&#10;&#10;Description automatically generated">
             <a:extLst>
               <a:ext uri="{FF2B5EF4-FFF2-40B4-BE49-F238E27FC236}">
-                <a16:creationId xmlns:a16="http://schemas.microsoft.com/office/drawing/2014/main" id="{D4CF9EA9-FAA3-DD5F-C2E2-3386B140CB46}"/>
+                <a16:creationId xmlns:a16="http://schemas.microsoft.com/office/drawing/2014/main" id="{05501842-4DB5-97B5-B9DA-B36204666121}"/>
               </a:ext>
             </a:extLst>
           </p:cNvPr>
@@ -3434,7 +3434,7 @@
         </p:blipFill>
         <p:spPr>
           <a:xfrm>
-            <a:off x="1506727" y="11986136"/>
+            <a:off x="2455050" y="12129199"/>
             <a:ext cx="33462598" cy="11754810"/>
           </a:xfrm>
           <a:prstGeom prst="rect">
@@ -3491,7 +3491,7 @@
         </p:nvSpPr>
         <p:spPr>
           <a:xfrm>
-            <a:off x="12610431" y="21553748"/>
+            <a:off x="12610431" y="21655348"/>
             <a:ext cx="21876779" cy="1973740"/>
           </a:xfrm>
           <a:prstGeom prst="rect">
@@ -3543,7 +3543,7 @@
         </p:nvSpPr>
         <p:spPr>
           <a:xfrm>
-            <a:off x="13499410" y="11628942"/>
+            <a:off x="15314986" y="21021577"/>
             <a:ext cx="21876779" cy="1973740"/>
           </a:xfrm>
           <a:prstGeom prst="rect">
@@ -3635,10 +3635,10 @@
       </p:sp>
       <p:pic>
         <p:nvPicPr>
-          <p:cNvPr id="6" name="Picture 5" descr="A picture containing text, diagram, line, plot&#10;&#10;Description automatically generated">
+          <p:cNvPr id="20" name="Picture 19" descr="A picture containing diagram, text, line, plot&#10;&#10;Description automatically generated">
             <a:extLst>
               <a:ext uri="{FF2B5EF4-FFF2-40B4-BE49-F238E27FC236}">
-                <a16:creationId xmlns:a16="http://schemas.microsoft.com/office/drawing/2014/main" id="{6ED1D1B1-CBA0-A7A3-695A-F6FEE2AEC394}"/>
+                <a16:creationId xmlns:a16="http://schemas.microsoft.com/office/drawing/2014/main" id="{5306B7D4-C4C8-6C01-C5FB-59B576D9247F}"/>
               </a:ext>
             </a:extLst>
           </p:cNvPr>
@@ -3649,13 +3649,13 @@
         </p:nvPicPr>
         <p:blipFill rotWithShape="1">
           <a:blip r:embed="rId4"/>
-          <a:srcRect b="4123"/>
+          <a:srcRect b="3848"/>
           <a:stretch/>
         </p:blipFill>
         <p:spPr>
           <a:xfrm>
-            <a:off x="1595264" y="1213105"/>
-            <a:ext cx="33462598" cy="11270146"/>
+            <a:off x="2477863" y="1316148"/>
+            <a:ext cx="33462598" cy="11302572"/>
           </a:xfrm>
           <a:prstGeom prst="rect">
             <a:avLst/>
@@ -3664,10 +3664,10 @@
       </p:pic>
       <p:sp>
         <p:nvSpPr>
-          <p:cNvPr id="18" name="TextBox 17">
+          <p:cNvPr id="21" name="TextBox 20">
             <a:extLst>
               <a:ext uri="{FF2B5EF4-FFF2-40B4-BE49-F238E27FC236}">
-                <a16:creationId xmlns:a16="http://schemas.microsoft.com/office/drawing/2014/main" id="{C953716C-598D-7A62-C8C5-8346DCD8AA17}"/>
+                <a16:creationId xmlns:a16="http://schemas.microsoft.com/office/drawing/2014/main" id="{2D4F9E01-A35B-1644-7819-90D979778EC3}"/>
               </a:ext>
             </a:extLst>
           </p:cNvPr>
@@ -3699,10 +3699,10 @@
       </p:sp>
       <p:sp>
         <p:nvSpPr>
-          <p:cNvPr id="19" name="TextBox 18">
+          <p:cNvPr id="22" name="TextBox 21">
             <a:extLst>
               <a:ext uri="{FF2B5EF4-FFF2-40B4-BE49-F238E27FC236}">
-                <a16:creationId xmlns:a16="http://schemas.microsoft.com/office/drawing/2014/main" id="{7A132915-91D7-8A1E-55C9-168954670AB6}"/>
+                <a16:creationId xmlns:a16="http://schemas.microsoft.com/office/drawing/2014/main" id="{65C91CE2-64CD-802E-AC68-9A7F9229B7F7}"/>
               </a:ext>
             </a:extLst>
           </p:cNvPr>
@@ -3711,7 +3711,7 @@
         </p:nvSpPr>
         <p:spPr>
           <a:xfrm>
-            <a:off x="1796679" y="11282922"/>
+            <a:off x="1796679" y="11340072"/>
             <a:ext cx="1226618" cy="1200329"/>
           </a:xfrm>
           <a:prstGeom prst="rect">
@@ -3734,10 +3734,10 @@
       </p:sp>
       <p:pic>
         <p:nvPicPr>
-          <p:cNvPr id="4" name="Picture 3" descr="A green line and orange line&#10;&#10;Description automatically generated with low confidence">
+          <p:cNvPr id="26" name="Picture 25" descr="A green line and orange line&#10;&#10;Description automatically generated with low confidence">
             <a:extLst>
               <a:ext uri="{FF2B5EF4-FFF2-40B4-BE49-F238E27FC236}">
-                <a16:creationId xmlns:a16="http://schemas.microsoft.com/office/drawing/2014/main" id="{85477CDF-9D64-9DE7-BF1D-13595DB0AC9D}"/>
+                <a16:creationId xmlns:a16="http://schemas.microsoft.com/office/drawing/2014/main" id="{CA930020-CFC5-849E-00BC-444D51ED0B4F}"/>
               </a:ext>
             </a:extLst>
           </p:cNvPr>
@@ -3754,8 +3754,8 @@
         </p:blipFill>
         <p:spPr>
           <a:xfrm>
-            <a:off x="1180933" y="22747864"/>
-            <a:ext cx="34469576" cy="8617394"/>
+            <a:off x="1229550" y="22639771"/>
+            <a:ext cx="35308349" cy="8827087"/>
           </a:xfrm>
           <a:prstGeom prst="rect">
             <a:avLst/>
@@ -3764,10 +3764,10 @@
       </p:pic>
       <p:sp>
         <p:nvSpPr>
-          <p:cNvPr id="5" name="TextBox 4">
+          <p:cNvPr id="27" name="TextBox 26">
             <a:extLst>
               <a:ext uri="{FF2B5EF4-FFF2-40B4-BE49-F238E27FC236}">
-                <a16:creationId xmlns:a16="http://schemas.microsoft.com/office/drawing/2014/main" id="{D0B8B409-8374-2413-E8E2-581E7D98B809}"/>
+                <a16:creationId xmlns:a16="http://schemas.microsoft.com/office/drawing/2014/main" id="{C41E8F4E-1002-B4FB-0C13-0517786D9588}"/>
               </a:ext>
             </a:extLst>
           </p:cNvPr>
@@ -3776,7 +3776,7 @@
         </p:nvSpPr>
         <p:spPr>
           <a:xfrm>
-            <a:off x="562238" y="21655650"/>
+            <a:off x="562238" y="21757250"/>
             <a:ext cx="1010213" cy="1938992"/>
           </a:xfrm>
           <a:prstGeom prst="rect">

--- a/Figures/Figure_3/Figure_3.pptx
+++ b/Figures/Figure_3/Figure_3.pptx
@@ -197,7 +197,7 @@
           <a:p>
             <a:fld id="{ABD72DE5-B6EE-E147-A976-7400C289695F}" type="datetimeFigureOut">
               <a:rPr lang="en-US" smtClean="0"/>
-              <a:t>5/23/23</a:t>
+              <a:t>5/24/23</a:t>
             </a:fld>
             <a:endParaRPr lang="en-US"/>
           </a:p>
@@ -684,7 +684,7 @@
           <a:p>
             <a:fld id="{5829EFD3-DAAF-1A4D-98F0-A61E9156FD54}" type="datetimeFigureOut">
               <a:rPr lang="en-US" smtClean="0"/>
-              <a:t>5/23/23</a:t>
+              <a:t>5/24/23</a:t>
             </a:fld>
             <a:endParaRPr lang="en-US"/>
           </a:p>
@@ -854,7 +854,7 @@
           <a:p>
             <a:fld id="{5829EFD3-DAAF-1A4D-98F0-A61E9156FD54}" type="datetimeFigureOut">
               <a:rPr lang="en-US" smtClean="0"/>
-              <a:t>5/23/23</a:t>
+              <a:t>5/24/23</a:t>
             </a:fld>
             <a:endParaRPr lang="en-US"/>
           </a:p>
@@ -1034,7 +1034,7 @@
           <a:p>
             <a:fld id="{5829EFD3-DAAF-1A4D-98F0-A61E9156FD54}" type="datetimeFigureOut">
               <a:rPr lang="en-US" smtClean="0"/>
-              <a:t>5/23/23</a:t>
+              <a:t>5/24/23</a:t>
             </a:fld>
             <a:endParaRPr lang="en-US"/>
           </a:p>
@@ -1204,7 +1204,7 @@
           <a:p>
             <a:fld id="{5829EFD3-DAAF-1A4D-98F0-A61E9156FD54}" type="datetimeFigureOut">
               <a:rPr lang="en-US" smtClean="0"/>
-              <a:t>5/23/23</a:t>
+              <a:t>5/24/23</a:t>
             </a:fld>
             <a:endParaRPr lang="en-US"/>
           </a:p>
@@ -1448,7 +1448,7 @@
           <a:p>
             <a:fld id="{5829EFD3-DAAF-1A4D-98F0-A61E9156FD54}" type="datetimeFigureOut">
               <a:rPr lang="en-US" smtClean="0"/>
-              <a:t>5/23/23</a:t>
+              <a:t>5/24/23</a:t>
             </a:fld>
             <a:endParaRPr lang="en-US"/>
           </a:p>
@@ -1680,7 +1680,7 @@
           <a:p>
             <a:fld id="{5829EFD3-DAAF-1A4D-98F0-A61E9156FD54}" type="datetimeFigureOut">
               <a:rPr lang="en-US" smtClean="0"/>
-              <a:t>5/23/23</a:t>
+              <a:t>5/24/23</a:t>
             </a:fld>
             <a:endParaRPr lang="en-US"/>
           </a:p>
@@ -2047,7 +2047,7 @@
           <a:p>
             <a:fld id="{5829EFD3-DAAF-1A4D-98F0-A61E9156FD54}" type="datetimeFigureOut">
               <a:rPr lang="en-US" smtClean="0"/>
-              <a:t>5/23/23</a:t>
+              <a:t>5/24/23</a:t>
             </a:fld>
             <a:endParaRPr lang="en-US"/>
           </a:p>
@@ -2165,7 +2165,7 @@
           <a:p>
             <a:fld id="{5829EFD3-DAAF-1A4D-98F0-A61E9156FD54}" type="datetimeFigureOut">
               <a:rPr lang="en-US" smtClean="0"/>
-              <a:t>5/23/23</a:t>
+              <a:t>5/24/23</a:t>
             </a:fld>
             <a:endParaRPr lang="en-US"/>
           </a:p>
@@ -2260,7 +2260,7 @@
           <a:p>
             <a:fld id="{5829EFD3-DAAF-1A4D-98F0-A61E9156FD54}" type="datetimeFigureOut">
               <a:rPr lang="en-US" smtClean="0"/>
-              <a:t>5/23/23</a:t>
+              <a:t>5/24/23</a:t>
             </a:fld>
             <a:endParaRPr lang="en-US"/>
           </a:p>
@@ -2537,7 +2537,7 @@
           <a:p>
             <a:fld id="{5829EFD3-DAAF-1A4D-98F0-A61E9156FD54}" type="datetimeFigureOut">
               <a:rPr lang="en-US" smtClean="0"/>
-              <a:t>5/23/23</a:t>
+              <a:t>5/24/23</a:t>
             </a:fld>
             <a:endParaRPr lang="en-US"/>
           </a:p>
@@ -2794,7 +2794,7 @@
           <a:p>
             <a:fld id="{5829EFD3-DAAF-1A4D-98F0-A61E9156FD54}" type="datetimeFigureOut">
               <a:rPr lang="en-US" smtClean="0"/>
-              <a:t>5/23/23</a:t>
+              <a:t>5/24/23</a:t>
             </a:fld>
             <a:endParaRPr lang="en-US"/>
           </a:p>
@@ -3007,7 +3007,7 @@
           <a:p>
             <a:fld id="{5829EFD3-DAAF-1A4D-98F0-A61E9156FD54}" type="datetimeFigureOut">
               <a:rPr lang="en-US" smtClean="0"/>
-              <a:t>5/23/23</a:t>
+              <a:t>5/24/23</a:t>
             </a:fld>
             <a:endParaRPr lang="en-US"/>
           </a:p>
@@ -3414,10 +3414,10 @@
       </p:grpSpPr>
       <p:pic>
         <p:nvPicPr>
-          <p:cNvPr id="17" name="Picture 16" descr="A picture containing text, diagram, line, plot&#10;&#10;Description automatically generated">
+          <p:cNvPr id="11" name="Picture 10" descr="A picture containing text, diagram, line, plot&#10;&#10;Description automatically generated">
             <a:extLst>
               <a:ext uri="{FF2B5EF4-FFF2-40B4-BE49-F238E27FC236}">
-                <a16:creationId xmlns:a16="http://schemas.microsoft.com/office/drawing/2014/main" id="{05501842-4DB5-97B5-B9DA-B36204666121}"/>
+                <a16:creationId xmlns:a16="http://schemas.microsoft.com/office/drawing/2014/main" id="{1E54C320-0C7F-C7E4-F479-010D0AD5F1C6}"/>
               </a:ext>
             </a:extLst>
           </p:cNvPr>
@@ -3434,7 +3434,7 @@
         </p:blipFill>
         <p:spPr>
           <a:xfrm>
-            <a:off x="2455050" y="12129199"/>
+            <a:off x="2389326" y="12129199"/>
             <a:ext cx="33462598" cy="11754810"/>
           </a:xfrm>
           <a:prstGeom prst="rect">
@@ -3635,10 +3635,10 @@
       </p:sp>
       <p:pic>
         <p:nvPicPr>
-          <p:cNvPr id="20" name="Picture 19" descr="A picture containing diagram, text, line, plot&#10;&#10;Description automatically generated">
+          <p:cNvPr id="12" name="Picture 11" descr="A picture containing diagram, plot, text, line&#10;&#10;Description automatically generated">
             <a:extLst>
               <a:ext uri="{FF2B5EF4-FFF2-40B4-BE49-F238E27FC236}">
-                <a16:creationId xmlns:a16="http://schemas.microsoft.com/office/drawing/2014/main" id="{5306B7D4-C4C8-6C01-C5FB-59B576D9247F}"/>
+                <a16:creationId xmlns:a16="http://schemas.microsoft.com/office/drawing/2014/main" id="{45C63B03-5087-2509-15EC-764E36500041}"/>
               </a:ext>
             </a:extLst>
           </p:cNvPr>
@@ -3649,13 +3649,13 @@
         </p:nvPicPr>
         <p:blipFill rotWithShape="1">
           <a:blip r:embed="rId4"/>
-          <a:srcRect b="3848"/>
+          <a:srcRect b="4303"/>
           <a:stretch/>
         </p:blipFill>
         <p:spPr>
           <a:xfrm>
-            <a:off x="2477863" y="1316148"/>
-            <a:ext cx="33462598" cy="11302572"/>
+            <a:off x="2389326" y="1461165"/>
+            <a:ext cx="33462598" cy="11248995"/>
           </a:xfrm>
           <a:prstGeom prst="rect">
             <a:avLst/>
@@ -3664,10 +3664,10 @@
       </p:pic>
       <p:sp>
         <p:nvSpPr>
-          <p:cNvPr id="21" name="TextBox 20">
+          <p:cNvPr id="14" name="TextBox 13">
             <a:extLst>
               <a:ext uri="{FF2B5EF4-FFF2-40B4-BE49-F238E27FC236}">
-                <a16:creationId xmlns:a16="http://schemas.microsoft.com/office/drawing/2014/main" id="{2D4F9E01-A35B-1644-7819-90D979778EC3}"/>
+                <a16:creationId xmlns:a16="http://schemas.microsoft.com/office/drawing/2014/main" id="{BEB8B5F1-6D7C-F59B-F4BB-27A0C21B5FBF}"/>
               </a:ext>
             </a:extLst>
           </p:cNvPr>
@@ -3699,10 +3699,10 @@
       </p:sp>
       <p:sp>
         <p:nvSpPr>
-          <p:cNvPr id="22" name="TextBox 21">
+          <p:cNvPr id="16" name="TextBox 15">
             <a:extLst>
               <a:ext uri="{FF2B5EF4-FFF2-40B4-BE49-F238E27FC236}">
-                <a16:creationId xmlns:a16="http://schemas.microsoft.com/office/drawing/2014/main" id="{65C91CE2-64CD-802E-AC68-9A7F9229B7F7}"/>
+                <a16:creationId xmlns:a16="http://schemas.microsoft.com/office/drawing/2014/main" id="{D5D8C03E-994A-6B22-3F7B-E8416D452AD5}"/>
               </a:ext>
             </a:extLst>
           </p:cNvPr>
@@ -3734,10 +3734,10 @@
       </p:sp>
       <p:pic>
         <p:nvPicPr>
-          <p:cNvPr id="26" name="Picture 25" descr="A green line and orange line&#10;&#10;Description automatically generated with low confidence">
+          <p:cNvPr id="23" name="Picture 22" descr="A green line and orange line&#10;&#10;Description automatically generated with low confidence">
             <a:extLst>
               <a:ext uri="{FF2B5EF4-FFF2-40B4-BE49-F238E27FC236}">
-                <a16:creationId xmlns:a16="http://schemas.microsoft.com/office/drawing/2014/main" id="{CA930020-CFC5-849E-00BC-444D51ED0B4F}"/>
+                <a16:creationId xmlns:a16="http://schemas.microsoft.com/office/drawing/2014/main" id="{A3AAABB7-9E7B-C52B-C33C-0E3B432DC82D}"/>
               </a:ext>
             </a:extLst>
           </p:cNvPr>
@@ -3754,8 +3754,8 @@
         </p:blipFill>
         <p:spPr>
           <a:xfrm>
-            <a:off x="1229550" y="22639771"/>
-            <a:ext cx="35308349" cy="8827087"/>
+            <a:off x="1271114" y="22773415"/>
+            <a:ext cx="35308348" cy="8827087"/>
           </a:xfrm>
           <a:prstGeom prst="rect">
             <a:avLst/>
@@ -3764,10 +3764,10 @@
       </p:pic>
       <p:sp>
         <p:nvSpPr>
-          <p:cNvPr id="27" name="TextBox 26">
+          <p:cNvPr id="24" name="TextBox 23">
             <a:extLst>
               <a:ext uri="{FF2B5EF4-FFF2-40B4-BE49-F238E27FC236}">
-                <a16:creationId xmlns:a16="http://schemas.microsoft.com/office/drawing/2014/main" id="{C41E8F4E-1002-B4FB-0C13-0517786D9588}"/>
+                <a16:creationId xmlns:a16="http://schemas.microsoft.com/office/drawing/2014/main" id="{1FEE47BC-6E11-5D58-431C-9BA870A00BD8}"/>
               </a:ext>
             </a:extLst>
           </p:cNvPr>
